--- a/basic/fig/fig.pptx
+++ b/basic/fig/fig.pptx
@@ -6,6 +6,8 @@
   </p:sldMasterIdLst>
   <p:sldIdLst>
     <p:sldId id="256" r:id="rId2"/>
+    <p:sldId id="262" r:id="rId3"/>
+    <p:sldId id="263" r:id="rId4"/>
   </p:sldIdLst>
   <p:sldSz cx="9144000" cy="6858000" type="screen4x3"/>
   <p:notesSz cx="6858000" cy="9144000"/>
@@ -1065,6 +1067,3040 @@
 </p:sld>
 </file>
 
+<file path=ppt/slides/slide2.xml><?xml version="1.0" encoding="utf-8"?>
+<p:sld xmlns:a="http://schemas.openxmlformats.org/drawingml/2006/main" xmlns:r="http://schemas.openxmlformats.org/officeDocument/2006/relationships" xmlns:p="http://schemas.openxmlformats.org/presentationml/2006/main">
+  <p:cSld>
+    <p:spTree>
+      <p:nvGrpSpPr>
+        <p:cNvPr id="1" name=""/>
+        <p:cNvGrpSpPr/>
+        <p:nvPr/>
+      </p:nvGrpSpPr>
+      <p:grpSpPr>
+        <a:xfrm>
+          <a:off x="0" y="0"/>
+          <a:ext cx="0" cy="0"/>
+          <a:chOff x="0" y="0"/>
+          <a:chExt cx="0" cy="0"/>
+        </a:xfrm>
+      </p:grpSpPr>
+      <p:sp>
+        <p:nvSpPr>
+          <p:cNvPr id="2" name="正方形/長方形 1">
+            <a:extLst>
+              <a:ext uri="{FF2B5EF4-FFF2-40B4-BE49-F238E27FC236}">
+                <a16:creationId xmlns:a16="http://schemas.microsoft.com/office/drawing/2014/main" id="{BBD4AE7A-F60C-594D-8B62-D6FB4CF0D341}"/>
+              </a:ext>
+            </a:extLst>
+          </p:cNvPr>
+          <p:cNvSpPr/>
+          <p:nvPr/>
+        </p:nvSpPr>
+        <p:spPr>
+          <a:xfrm>
+            <a:off x="1331640" y="2060848"/>
+            <a:ext cx="1440160" cy="360040"/>
+          </a:xfrm>
+          <a:prstGeom prst="rect">
+            <a:avLst/>
+          </a:prstGeom>
+          <a:noFill/>
+          <a:ln>
+            <a:solidFill>
+              <a:schemeClr val="tx1"/>
+            </a:solidFill>
+          </a:ln>
+        </p:spPr>
+        <p:style>
+          <a:lnRef idx="2">
+            <a:schemeClr val="accent1">
+              <a:shade val="50000"/>
+            </a:schemeClr>
+          </a:lnRef>
+          <a:fillRef idx="1">
+            <a:schemeClr val="accent1"/>
+          </a:fillRef>
+          <a:effectRef idx="0">
+            <a:schemeClr val="accent1"/>
+          </a:effectRef>
+          <a:fontRef idx="minor">
+            <a:schemeClr val="lt1"/>
+          </a:fontRef>
+        </p:style>
+        <p:txBody>
+          <a:bodyPr rtlCol="0" anchor="ctr"/>
+          <a:lstStyle/>
+          <a:p>
+            <a:pPr algn="ctr"/>
+            <a:r>
+              <a:rPr kumimoji="1" lang="en-US" altLang="ja-JP">
+                <a:solidFill>
+                  <a:schemeClr val="tx1"/>
+                </a:solidFill>
+              </a:rPr>
+              <a:t>10</a:t>
+            </a:r>
+            <a:endParaRPr kumimoji="1" lang="ja-JP" altLang="en-US">
+              <a:solidFill>
+                <a:schemeClr val="tx1"/>
+              </a:solidFill>
+            </a:endParaRPr>
+          </a:p>
+        </p:txBody>
+      </p:sp>
+      <p:sp>
+        <p:nvSpPr>
+          <p:cNvPr id="3" name="正方形/長方形 2">
+            <a:extLst>
+              <a:ext uri="{FF2B5EF4-FFF2-40B4-BE49-F238E27FC236}">
+                <a16:creationId xmlns:a16="http://schemas.microsoft.com/office/drawing/2014/main" id="{B6448C91-07FD-9744-BC11-E04BA2B92864}"/>
+              </a:ext>
+            </a:extLst>
+          </p:cNvPr>
+          <p:cNvSpPr/>
+          <p:nvPr/>
+        </p:nvSpPr>
+        <p:spPr>
+          <a:xfrm>
+            <a:off x="1331640" y="2420888"/>
+            <a:ext cx="1440160" cy="360040"/>
+          </a:xfrm>
+          <a:prstGeom prst="rect">
+            <a:avLst/>
+          </a:prstGeom>
+          <a:noFill/>
+          <a:ln>
+            <a:solidFill>
+              <a:schemeClr val="tx1"/>
+            </a:solidFill>
+          </a:ln>
+        </p:spPr>
+        <p:style>
+          <a:lnRef idx="2">
+            <a:schemeClr val="accent1">
+              <a:shade val="50000"/>
+            </a:schemeClr>
+          </a:lnRef>
+          <a:fillRef idx="1">
+            <a:schemeClr val="accent1"/>
+          </a:fillRef>
+          <a:effectRef idx="0">
+            <a:schemeClr val="accent1"/>
+          </a:effectRef>
+          <a:fontRef idx="minor">
+            <a:schemeClr val="lt1"/>
+          </a:fontRef>
+        </p:style>
+        <p:txBody>
+          <a:bodyPr rtlCol="0" anchor="ctr"/>
+          <a:lstStyle/>
+          <a:p>
+            <a:pPr algn="ctr"/>
+            <a:r>
+              <a:rPr kumimoji="1" lang="en-US" altLang="ja-JP">
+                <a:solidFill>
+                  <a:schemeClr val="tx1"/>
+                </a:solidFill>
+              </a:rPr>
+              <a:t>20</a:t>
+            </a:r>
+            <a:endParaRPr kumimoji="1" lang="ja-JP" altLang="en-US">
+              <a:solidFill>
+                <a:schemeClr val="tx1"/>
+              </a:solidFill>
+            </a:endParaRPr>
+          </a:p>
+        </p:txBody>
+      </p:sp>
+      <p:sp>
+        <p:nvSpPr>
+          <p:cNvPr id="4" name="正方形/長方形 3">
+            <a:extLst>
+              <a:ext uri="{FF2B5EF4-FFF2-40B4-BE49-F238E27FC236}">
+                <a16:creationId xmlns:a16="http://schemas.microsoft.com/office/drawing/2014/main" id="{AD502AF2-7E06-4B40-B34C-88C614450B91}"/>
+              </a:ext>
+            </a:extLst>
+          </p:cNvPr>
+          <p:cNvSpPr/>
+          <p:nvPr/>
+        </p:nvSpPr>
+        <p:spPr>
+          <a:xfrm>
+            <a:off x="1331640" y="2780928"/>
+            <a:ext cx="1440160" cy="360040"/>
+          </a:xfrm>
+          <a:prstGeom prst="rect">
+            <a:avLst/>
+          </a:prstGeom>
+          <a:noFill/>
+          <a:ln>
+            <a:solidFill>
+              <a:schemeClr val="tx1"/>
+            </a:solidFill>
+          </a:ln>
+        </p:spPr>
+        <p:style>
+          <a:lnRef idx="2">
+            <a:schemeClr val="accent1">
+              <a:shade val="50000"/>
+            </a:schemeClr>
+          </a:lnRef>
+          <a:fillRef idx="1">
+            <a:schemeClr val="accent1"/>
+          </a:fillRef>
+          <a:effectRef idx="0">
+            <a:schemeClr val="accent1"/>
+          </a:effectRef>
+          <a:fontRef idx="minor">
+            <a:schemeClr val="lt1"/>
+          </a:fontRef>
+        </p:style>
+        <p:txBody>
+          <a:bodyPr rtlCol="0" anchor="ctr"/>
+          <a:lstStyle/>
+          <a:p>
+            <a:pPr algn="ctr"/>
+            <a:endParaRPr kumimoji="1" lang="ja-JP" altLang="en-US">
+              <a:solidFill>
+                <a:srgbClr val="FF0000"/>
+              </a:solidFill>
+            </a:endParaRPr>
+          </a:p>
+        </p:txBody>
+      </p:sp>
+      <p:sp>
+        <p:nvSpPr>
+          <p:cNvPr id="8" name="テキスト ボックス 7">
+            <a:extLst>
+              <a:ext uri="{FF2B5EF4-FFF2-40B4-BE49-F238E27FC236}">
+                <a16:creationId xmlns:a16="http://schemas.microsoft.com/office/drawing/2014/main" id="{EFC0180E-EDCC-8B40-8B3A-6DEB7DBEBF21}"/>
+              </a:ext>
+            </a:extLst>
+          </p:cNvPr>
+          <p:cNvSpPr txBox="1"/>
+          <p:nvPr/>
+        </p:nvSpPr>
+        <p:spPr>
+          <a:xfrm>
+            <a:off x="2771800" y="2060848"/>
+            <a:ext cx="763351" cy="369332"/>
+          </a:xfrm>
+          <a:prstGeom prst="rect">
+            <a:avLst/>
+          </a:prstGeom>
+          <a:noFill/>
+        </p:spPr>
+        <p:txBody>
+          <a:bodyPr wrap="none" rtlCol="0">
+            <a:spAutoFit/>
+          </a:bodyPr>
+          <a:lstStyle/>
+          <a:p>
+            <a:r>
+              <a:rPr kumimoji="1" lang="en-US" altLang="ja-JP"/>
+              <a:t>0</a:t>
+            </a:r>
+            <a:r>
+              <a:rPr lang="ja-JP" altLang="en-US"/>
+              <a:t>番地</a:t>
+            </a:r>
+            <a:endParaRPr kumimoji="1" lang="ja-JP" altLang="en-US"/>
+          </a:p>
+        </p:txBody>
+      </p:sp>
+      <p:sp>
+        <p:nvSpPr>
+          <p:cNvPr id="9" name="テキスト ボックス 8">
+            <a:extLst>
+              <a:ext uri="{FF2B5EF4-FFF2-40B4-BE49-F238E27FC236}">
+                <a16:creationId xmlns:a16="http://schemas.microsoft.com/office/drawing/2014/main" id="{6AB1EC47-6ECB-1840-B387-74586931DFD2}"/>
+              </a:ext>
+            </a:extLst>
+          </p:cNvPr>
+          <p:cNvSpPr txBox="1"/>
+          <p:nvPr/>
+        </p:nvSpPr>
+        <p:spPr>
+          <a:xfrm>
+            <a:off x="2771800" y="2420888"/>
+            <a:ext cx="763351" cy="369332"/>
+          </a:xfrm>
+          <a:prstGeom prst="rect">
+            <a:avLst/>
+          </a:prstGeom>
+          <a:noFill/>
+        </p:spPr>
+        <p:txBody>
+          <a:bodyPr wrap="none" rtlCol="0">
+            <a:spAutoFit/>
+          </a:bodyPr>
+          <a:lstStyle/>
+          <a:p>
+            <a:r>
+              <a:rPr kumimoji="1" lang="en-US" altLang="ja-JP"/>
+              <a:t>1</a:t>
+            </a:r>
+            <a:r>
+              <a:rPr lang="ja-JP" altLang="en-US"/>
+              <a:t>番地</a:t>
+            </a:r>
+            <a:endParaRPr kumimoji="1" lang="ja-JP" altLang="en-US"/>
+          </a:p>
+        </p:txBody>
+      </p:sp>
+      <p:sp>
+        <p:nvSpPr>
+          <p:cNvPr id="10" name="テキスト ボックス 9">
+            <a:extLst>
+              <a:ext uri="{FF2B5EF4-FFF2-40B4-BE49-F238E27FC236}">
+                <a16:creationId xmlns:a16="http://schemas.microsoft.com/office/drawing/2014/main" id="{2BD32814-D571-484E-BC3E-8573104E26A6}"/>
+              </a:ext>
+            </a:extLst>
+          </p:cNvPr>
+          <p:cNvSpPr txBox="1"/>
+          <p:nvPr/>
+        </p:nvSpPr>
+        <p:spPr>
+          <a:xfrm>
+            <a:off x="2771800" y="2780928"/>
+            <a:ext cx="763351" cy="369332"/>
+          </a:xfrm>
+          <a:prstGeom prst="rect">
+            <a:avLst/>
+          </a:prstGeom>
+          <a:noFill/>
+        </p:spPr>
+        <p:txBody>
+          <a:bodyPr wrap="none" rtlCol="0">
+            <a:spAutoFit/>
+          </a:bodyPr>
+          <a:lstStyle/>
+          <a:p>
+            <a:r>
+              <a:rPr kumimoji="1" lang="en-US" altLang="ja-JP"/>
+              <a:t>2</a:t>
+            </a:r>
+            <a:r>
+              <a:rPr lang="ja-JP" altLang="en-US"/>
+              <a:t>番地</a:t>
+            </a:r>
+            <a:endParaRPr kumimoji="1" lang="ja-JP" altLang="en-US"/>
+          </a:p>
+        </p:txBody>
+      </p:sp>
+      <p:sp>
+        <p:nvSpPr>
+          <p:cNvPr id="14" name="1 つの角を切り取った四角形 13">
+            <a:extLst>
+              <a:ext uri="{FF2B5EF4-FFF2-40B4-BE49-F238E27FC236}">
+                <a16:creationId xmlns:a16="http://schemas.microsoft.com/office/drawing/2014/main" id="{007CDF2D-0EAA-EC47-B9C1-920A151CDBA6}"/>
+              </a:ext>
+            </a:extLst>
+          </p:cNvPr>
+          <p:cNvSpPr/>
+          <p:nvPr/>
+        </p:nvSpPr>
+        <p:spPr>
+          <a:xfrm>
+            <a:off x="179512" y="2096852"/>
+            <a:ext cx="864096" cy="288032"/>
+          </a:xfrm>
+          <a:prstGeom prst="snip1Rect">
+            <a:avLst/>
+          </a:prstGeom>
+          <a:noFill/>
+          <a:ln>
+            <a:solidFill>
+              <a:schemeClr val="tx1"/>
+            </a:solidFill>
+          </a:ln>
+        </p:spPr>
+        <p:style>
+          <a:lnRef idx="2">
+            <a:schemeClr val="accent1">
+              <a:shade val="50000"/>
+            </a:schemeClr>
+          </a:lnRef>
+          <a:fillRef idx="1">
+            <a:schemeClr val="accent1"/>
+          </a:fillRef>
+          <a:effectRef idx="0">
+            <a:schemeClr val="accent1"/>
+          </a:effectRef>
+          <a:fontRef idx="minor">
+            <a:schemeClr val="lt1"/>
+          </a:fontRef>
+        </p:style>
+        <p:txBody>
+          <a:bodyPr rtlCol="0" anchor="ctr"/>
+          <a:lstStyle/>
+          <a:p>
+            <a:pPr algn="ctr"/>
+            <a:r>
+              <a:rPr kumimoji="1" lang="en-US" altLang="ja-JP" sz="2000">
+                <a:solidFill>
+                  <a:schemeClr val="tx1"/>
+                </a:solidFill>
+              </a:rPr>
+              <a:t>a</a:t>
+            </a:r>
+            <a:endParaRPr kumimoji="1" lang="ja-JP" altLang="en-US" sz="2000">
+              <a:solidFill>
+                <a:schemeClr val="tx1"/>
+              </a:solidFill>
+            </a:endParaRPr>
+          </a:p>
+        </p:txBody>
+      </p:sp>
+      <p:sp>
+        <p:nvSpPr>
+          <p:cNvPr id="15" name="1 つの角を切り取った四角形 14">
+            <a:extLst>
+              <a:ext uri="{FF2B5EF4-FFF2-40B4-BE49-F238E27FC236}">
+                <a16:creationId xmlns:a16="http://schemas.microsoft.com/office/drawing/2014/main" id="{B559901E-6B98-064A-B1BB-814123481155}"/>
+              </a:ext>
+            </a:extLst>
+          </p:cNvPr>
+          <p:cNvSpPr/>
+          <p:nvPr/>
+        </p:nvSpPr>
+        <p:spPr>
+          <a:xfrm>
+            <a:off x="179512" y="2456892"/>
+            <a:ext cx="864096" cy="288032"/>
+          </a:xfrm>
+          <a:prstGeom prst="snip1Rect">
+            <a:avLst/>
+          </a:prstGeom>
+          <a:noFill/>
+          <a:ln>
+            <a:solidFill>
+              <a:schemeClr val="tx1"/>
+            </a:solidFill>
+          </a:ln>
+        </p:spPr>
+        <p:style>
+          <a:lnRef idx="2">
+            <a:schemeClr val="accent1">
+              <a:shade val="50000"/>
+            </a:schemeClr>
+          </a:lnRef>
+          <a:fillRef idx="1">
+            <a:schemeClr val="accent1"/>
+          </a:fillRef>
+          <a:effectRef idx="0">
+            <a:schemeClr val="accent1"/>
+          </a:effectRef>
+          <a:fontRef idx="minor">
+            <a:schemeClr val="lt1"/>
+          </a:fontRef>
+        </p:style>
+        <p:txBody>
+          <a:bodyPr rtlCol="0" anchor="ctr"/>
+          <a:lstStyle/>
+          <a:p>
+            <a:pPr algn="ctr"/>
+            <a:r>
+              <a:rPr kumimoji="1" lang="en-US" altLang="ja-JP" sz="2000">
+                <a:solidFill>
+                  <a:schemeClr val="tx1"/>
+                </a:solidFill>
+              </a:rPr>
+              <a:t>b</a:t>
+            </a:r>
+            <a:endParaRPr kumimoji="1" lang="ja-JP" altLang="en-US" sz="2000">
+              <a:solidFill>
+                <a:schemeClr val="tx1"/>
+              </a:solidFill>
+            </a:endParaRPr>
+          </a:p>
+        </p:txBody>
+      </p:sp>
+      <p:cxnSp>
+        <p:nvCxnSpPr>
+          <p:cNvPr id="17" name="直線矢印コネクタ 16">
+            <a:extLst>
+              <a:ext uri="{FF2B5EF4-FFF2-40B4-BE49-F238E27FC236}">
+                <a16:creationId xmlns:a16="http://schemas.microsoft.com/office/drawing/2014/main" id="{2A56B340-0773-9446-BFE7-524FB0E48B32}"/>
+              </a:ext>
+            </a:extLst>
+          </p:cNvPr>
+          <p:cNvCxnSpPr>
+            <a:stCxn id="14" idx="0"/>
+            <a:endCxn id="2" idx="1"/>
+          </p:cNvCxnSpPr>
+          <p:nvPr/>
+        </p:nvCxnSpPr>
+        <p:spPr>
+          <a:xfrm>
+            <a:off x="1043608" y="2240868"/>
+            <a:ext cx="288032" cy="0"/>
+          </a:xfrm>
+          <a:prstGeom prst="straightConnector1">
+            <a:avLst/>
+          </a:prstGeom>
+          <a:ln w="12700">
+            <a:solidFill>
+              <a:schemeClr val="tx1"/>
+            </a:solidFill>
+            <a:tailEnd type="triangle"/>
+          </a:ln>
+        </p:spPr>
+        <p:style>
+          <a:lnRef idx="1">
+            <a:schemeClr val="accent1"/>
+          </a:lnRef>
+          <a:fillRef idx="0">
+            <a:schemeClr val="accent1"/>
+          </a:fillRef>
+          <a:effectRef idx="0">
+            <a:schemeClr val="accent1"/>
+          </a:effectRef>
+          <a:fontRef idx="minor">
+            <a:schemeClr val="tx1"/>
+          </a:fontRef>
+        </p:style>
+      </p:cxnSp>
+      <p:cxnSp>
+        <p:nvCxnSpPr>
+          <p:cNvPr id="20" name="直線矢印コネクタ 19">
+            <a:extLst>
+              <a:ext uri="{FF2B5EF4-FFF2-40B4-BE49-F238E27FC236}">
+                <a16:creationId xmlns:a16="http://schemas.microsoft.com/office/drawing/2014/main" id="{285DE1DD-FEC1-384C-A7DD-64F8961D2732}"/>
+              </a:ext>
+            </a:extLst>
+          </p:cNvPr>
+          <p:cNvCxnSpPr>
+            <a:cxnSpLocks/>
+            <a:stCxn id="15" idx="0"/>
+            <a:endCxn id="3" idx="1"/>
+          </p:cNvCxnSpPr>
+          <p:nvPr/>
+        </p:nvCxnSpPr>
+        <p:spPr>
+          <a:xfrm>
+            <a:off x="1043608" y="2600908"/>
+            <a:ext cx="288032" cy="0"/>
+          </a:xfrm>
+          <a:prstGeom prst="straightConnector1">
+            <a:avLst/>
+          </a:prstGeom>
+          <a:ln w="12700">
+            <a:solidFill>
+              <a:schemeClr val="tx1"/>
+            </a:solidFill>
+            <a:tailEnd type="triangle"/>
+          </a:ln>
+        </p:spPr>
+        <p:style>
+          <a:lnRef idx="1">
+            <a:schemeClr val="accent1"/>
+          </a:lnRef>
+          <a:fillRef idx="0">
+            <a:schemeClr val="accent1"/>
+          </a:fillRef>
+          <a:effectRef idx="0">
+            <a:schemeClr val="accent1"/>
+          </a:effectRef>
+          <a:fontRef idx="minor">
+            <a:schemeClr val="tx1"/>
+          </a:fontRef>
+        </p:style>
+      </p:cxnSp>
+      <p:sp>
+        <p:nvSpPr>
+          <p:cNvPr id="24" name="正方形/長方形 23">
+            <a:extLst>
+              <a:ext uri="{FF2B5EF4-FFF2-40B4-BE49-F238E27FC236}">
+                <a16:creationId xmlns:a16="http://schemas.microsoft.com/office/drawing/2014/main" id="{C4002311-CA67-2242-8123-B6F2B1A34767}"/>
+              </a:ext>
+            </a:extLst>
+          </p:cNvPr>
+          <p:cNvSpPr/>
+          <p:nvPr/>
+        </p:nvSpPr>
+        <p:spPr>
+          <a:xfrm>
+            <a:off x="827584" y="1268760"/>
+            <a:ext cx="1296144" cy="646331"/>
+          </a:xfrm>
+          <a:prstGeom prst="rect">
+            <a:avLst/>
+          </a:prstGeom>
+          <a:solidFill>
+            <a:schemeClr val="tx1"/>
+          </a:solidFill>
+        </p:spPr>
+        <p:txBody>
+          <a:bodyPr wrap="square">
+            <a:spAutoFit/>
+          </a:bodyPr>
+          <a:lstStyle/>
+          <a:p>
+            <a:r>
+              <a:rPr lang="en" altLang="ja-JP" b="0">
+                <a:solidFill>
+                  <a:srgbClr val="D4D4D4"/>
+                </a:solidFill>
+                <a:effectLst/>
+                <a:latin typeface="Menlo" panose="020B0609030804020204" pitchFamily="49" charset="0"/>
+              </a:rPr>
+              <a:t>a = </a:t>
+            </a:r>
+            <a:r>
+              <a:rPr lang="en" altLang="ja-JP" b="0">
+                <a:solidFill>
+                  <a:srgbClr val="B5CEA8"/>
+                </a:solidFill>
+                <a:effectLst/>
+                <a:latin typeface="Menlo" panose="020B0609030804020204" pitchFamily="49" charset="0"/>
+              </a:rPr>
+              <a:t>10</a:t>
+            </a:r>
+            <a:endParaRPr lang="en" altLang="ja-JP" b="0">
+              <a:solidFill>
+                <a:srgbClr val="D4D4D4"/>
+              </a:solidFill>
+              <a:effectLst/>
+              <a:latin typeface="Menlo" panose="020B0609030804020204" pitchFamily="49" charset="0"/>
+            </a:endParaRPr>
+          </a:p>
+          <a:p>
+            <a:r>
+              <a:rPr lang="en" altLang="ja-JP" b="0">
+                <a:solidFill>
+                  <a:srgbClr val="D4D4D4"/>
+                </a:solidFill>
+                <a:effectLst/>
+                <a:latin typeface="Menlo" panose="020B0609030804020204" pitchFamily="49" charset="0"/>
+              </a:rPr>
+              <a:t>b = </a:t>
+            </a:r>
+            <a:r>
+              <a:rPr lang="en" altLang="ja-JP" b="0">
+                <a:solidFill>
+                  <a:srgbClr val="B5CEA8"/>
+                </a:solidFill>
+                <a:effectLst/>
+                <a:latin typeface="Menlo" panose="020B0609030804020204" pitchFamily="49" charset="0"/>
+              </a:rPr>
+              <a:t>20</a:t>
+            </a:r>
+            <a:endParaRPr lang="en" altLang="ja-JP" b="0">
+              <a:solidFill>
+                <a:srgbClr val="D4D4D4"/>
+              </a:solidFill>
+              <a:effectLst/>
+              <a:latin typeface="Menlo" panose="020B0609030804020204" pitchFamily="49" charset="0"/>
+            </a:endParaRPr>
+          </a:p>
+        </p:txBody>
+      </p:sp>
+      <p:sp>
+        <p:nvSpPr>
+          <p:cNvPr id="25" name="正方形/長方形 24">
+            <a:extLst>
+              <a:ext uri="{FF2B5EF4-FFF2-40B4-BE49-F238E27FC236}">
+                <a16:creationId xmlns:a16="http://schemas.microsoft.com/office/drawing/2014/main" id="{90E3509D-E92B-D84F-8F10-5A51BD392FE5}"/>
+              </a:ext>
+            </a:extLst>
+          </p:cNvPr>
+          <p:cNvSpPr/>
+          <p:nvPr/>
+        </p:nvSpPr>
+        <p:spPr>
+          <a:xfrm>
+            <a:off x="5364088" y="476672"/>
+            <a:ext cx="1512168" cy="369332"/>
+          </a:xfrm>
+          <a:prstGeom prst="rect">
+            <a:avLst/>
+          </a:prstGeom>
+          <a:solidFill>
+            <a:schemeClr val="tx1"/>
+          </a:solidFill>
+        </p:spPr>
+        <p:txBody>
+          <a:bodyPr wrap="square">
+            <a:spAutoFit/>
+          </a:bodyPr>
+          <a:lstStyle/>
+          <a:p>
+            <a:r>
+              <a:rPr lang="en" altLang="ja-JP" b="0">
+                <a:solidFill>
+                  <a:srgbClr val="D4D4D4"/>
+                </a:solidFill>
+                <a:effectLst/>
+                <a:latin typeface="Menlo" panose="020B0609030804020204" pitchFamily="49" charset="0"/>
+              </a:rPr>
+              <a:t>c = a + b</a:t>
+            </a:r>
+          </a:p>
+        </p:txBody>
+      </p:sp>
+      <p:sp>
+        <p:nvSpPr>
+          <p:cNvPr id="26" name="正方形/長方形 25">
+            <a:extLst>
+              <a:ext uri="{FF2B5EF4-FFF2-40B4-BE49-F238E27FC236}">
+                <a16:creationId xmlns:a16="http://schemas.microsoft.com/office/drawing/2014/main" id="{F56DE0E0-8FD2-2647-AC3D-E902B6D82BA1}"/>
+              </a:ext>
+            </a:extLst>
+          </p:cNvPr>
+          <p:cNvSpPr/>
+          <p:nvPr/>
+        </p:nvSpPr>
+        <p:spPr>
+          <a:xfrm>
+            <a:off x="5364088" y="1196752"/>
+            <a:ext cx="1440160" cy="360040"/>
+          </a:xfrm>
+          <a:prstGeom prst="rect">
+            <a:avLst/>
+          </a:prstGeom>
+          <a:noFill/>
+          <a:ln>
+            <a:solidFill>
+              <a:schemeClr val="tx1"/>
+            </a:solidFill>
+          </a:ln>
+        </p:spPr>
+        <p:style>
+          <a:lnRef idx="2">
+            <a:schemeClr val="accent1">
+              <a:shade val="50000"/>
+            </a:schemeClr>
+          </a:lnRef>
+          <a:fillRef idx="1">
+            <a:schemeClr val="accent1"/>
+          </a:fillRef>
+          <a:effectRef idx="0">
+            <a:schemeClr val="accent1"/>
+          </a:effectRef>
+          <a:fontRef idx="minor">
+            <a:schemeClr val="lt1"/>
+          </a:fontRef>
+        </p:style>
+        <p:txBody>
+          <a:bodyPr rtlCol="0" anchor="ctr"/>
+          <a:lstStyle/>
+          <a:p>
+            <a:pPr algn="ctr"/>
+            <a:r>
+              <a:rPr kumimoji="1" lang="en-US" altLang="ja-JP">
+                <a:solidFill>
+                  <a:schemeClr val="tx1"/>
+                </a:solidFill>
+              </a:rPr>
+              <a:t>10</a:t>
+            </a:r>
+            <a:endParaRPr kumimoji="1" lang="ja-JP" altLang="en-US">
+              <a:solidFill>
+                <a:schemeClr val="tx1"/>
+              </a:solidFill>
+            </a:endParaRPr>
+          </a:p>
+        </p:txBody>
+      </p:sp>
+      <p:sp>
+        <p:nvSpPr>
+          <p:cNvPr id="27" name="正方形/長方形 26">
+            <a:extLst>
+              <a:ext uri="{FF2B5EF4-FFF2-40B4-BE49-F238E27FC236}">
+                <a16:creationId xmlns:a16="http://schemas.microsoft.com/office/drawing/2014/main" id="{E29D8138-D2F4-5A4F-885C-053B7FC7F51F}"/>
+              </a:ext>
+            </a:extLst>
+          </p:cNvPr>
+          <p:cNvSpPr/>
+          <p:nvPr/>
+        </p:nvSpPr>
+        <p:spPr>
+          <a:xfrm>
+            <a:off x="5364088" y="1556792"/>
+            <a:ext cx="1440160" cy="360040"/>
+          </a:xfrm>
+          <a:prstGeom prst="rect">
+            <a:avLst/>
+          </a:prstGeom>
+          <a:noFill/>
+          <a:ln>
+            <a:solidFill>
+              <a:schemeClr val="tx1"/>
+            </a:solidFill>
+          </a:ln>
+        </p:spPr>
+        <p:style>
+          <a:lnRef idx="2">
+            <a:schemeClr val="accent1">
+              <a:shade val="50000"/>
+            </a:schemeClr>
+          </a:lnRef>
+          <a:fillRef idx="1">
+            <a:schemeClr val="accent1"/>
+          </a:fillRef>
+          <a:effectRef idx="0">
+            <a:schemeClr val="accent1"/>
+          </a:effectRef>
+          <a:fontRef idx="minor">
+            <a:schemeClr val="lt1"/>
+          </a:fontRef>
+        </p:style>
+        <p:txBody>
+          <a:bodyPr rtlCol="0" anchor="ctr"/>
+          <a:lstStyle/>
+          <a:p>
+            <a:pPr algn="ctr"/>
+            <a:r>
+              <a:rPr kumimoji="1" lang="en-US" altLang="ja-JP">
+                <a:solidFill>
+                  <a:schemeClr val="tx1"/>
+                </a:solidFill>
+              </a:rPr>
+              <a:t>20</a:t>
+            </a:r>
+            <a:endParaRPr kumimoji="1" lang="ja-JP" altLang="en-US">
+              <a:solidFill>
+                <a:schemeClr val="tx1"/>
+              </a:solidFill>
+            </a:endParaRPr>
+          </a:p>
+        </p:txBody>
+      </p:sp>
+      <p:sp>
+        <p:nvSpPr>
+          <p:cNvPr id="28" name="正方形/長方形 27">
+            <a:extLst>
+              <a:ext uri="{FF2B5EF4-FFF2-40B4-BE49-F238E27FC236}">
+                <a16:creationId xmlns:a16="http://schemas.microsoft.com/office/drawing/2014/main" id="{F5DE2E29-FEC5-5244-8D7A-0A905435CF27}"/>
+              </a:ext>
+            </a:extLst>
+          </p:cNvPr>
+          <p:cNvSpPr/>
+          <p:nvPr/>
+        </p:nvSpPr>
+        <p:spPr>
+          <a:xfrm>
+            <a:off x="5364088" y="1916832"/>
+            <a:ext cx="1440160" cy="360040"/>
+          </a:xfrm>
+          <a:prstGeom prst="rect">
+            <a:avLst/>
+          </a:prstGeom>
+          <a:noFill/>
+          <a:ln>
+            <a:solidFill>
+              <a:schemeClr val="tx1"/>
+            </a:solidFill>
+          </a:ln>
+        </p:spPr>
+        <p:style>
+          <a:lnRef idx="2">
+            <a:schemeClr val="accent1">
+              <a:shade val="50000"/>
+            </a:schemeClr>
+          </a:lnRef>
+          <a:fillRef idx="1">
+            <a:schemeClr val="accent1"/>
+          </a:fillRef>
+          <a:effectRef idx="0">
+            <a:schemeClr val="accent1"/>
+          </a:effectRef>
+          <a:fontRef idx="minor">
+            <a:schemeClr val="lt1"/>
+          </a:fontRef>
+        </p:style>
+        <p:txBody>
+          <a:bodyPr rtlCol="0" anchor="ctr"/>
+          <a:lstStyle/>
+          <a:p>
+            <a:pPr algn="ctr"/>
+            <a:r>
+              <a:rPr kumimoji="1" lang="en-US" altLang="ja-JP">
+                <a:solidFill>
+                  <a:srgbClr val="FF0000"/>
+                </a:solidFill>
+              </a:rPr>
+              <a:t>30</a:t>
+            </a:r>
+            <a:endParaRPr kumimoji="1" lang="ja-JP" altLang="en-US">
+              <a:solidFill>
+                <a:srgbClr val="FF0000"/>
+              </a:solidFill>
+            </a:endParaRPr>
+          </a:p>
+        </p:txBody>
+      </p:sp>
+      <p:sp>
+        <p:nvSpPr>
+          <p:cNvPr id="32" name="テキスト ボックス 31">
+            <a:extLst>
+              <a:ext uri="{FF2B5EF4-FFF2-40B4-BE49-F238E27FC236}">
+                <a16:creationId xmlns:a16="http://schemas.microsoft.com/office/drawing/2014/main" id="{256A5E38-FA6E-3641-90D4-68ED7C91F0FA}"/>
+              </a:ext>
+            </a:extLst>
+          </p:cNvPr>
+          <p:cNvSpPr txBox="1"/>
+          <p:nvPr/>
+        </p:nvSpPr>
+        <p:spPr>
+          <a:xfrm>
+            <a:off x="6804248" y="1196752"/>
+            <a:ext cx="763351" cy="369332"/>
+          </a:xfrm>
+          <a:prstGeom prst="rect">
+            <a:avLst/>
+          </a:prstGeom>
+          <a:noFill/>
+        </p:spPr>
+        <p:txBody>
+          <a:bodyPr wrap="none" rtlCol="0">
+            <a:spAutoFit/>
+          </a:bodyPr>
+          <a:lstStyle/>
+          <a:p>
+            <a:r>
+              <a:rPr kumimoji="1" lang="en-US" altLang="ja-JP"/>
+              <a:t>0</a:t>
+            </a:r>
+            <a:r>
+              <a:rPr lang="ja-JP" altLang="en-US"/>
+              <a:t>番地</a:t>
+            </a:r>
+            <a:endParaRPr kumimoji="1" lang="ja-JP" altLang="en-US"/>
+          </a:p>
+        </p:txBody>
+      </p:sp>
+      <p:sp>
+        <p:nvSpPr>
+          <p:cNvPr id="33" name="テキスト ボックス 32">
+            <a:extLst>
+              <a:ext uri="{FF2B5EF4-FFF2-40B4-BE49-F238E27FC236}">
+                <a16:creationId xmlns:a16="http://schemas.microsoft.com/office/drawing/2014/main" id="{47C62149-7FD9-FF46-BC44-8B42B1596B3C}"/>
+              </a:ext>
+            </a:extLst>
+          </p:cNvPr>
+          <p:cNvSpPr txBox="1"/>
+          <p:nvPr/>
+        </p:nvSpPr>
+        <p:spPr>
+          <a:xfrm>
+            <a:off x="6804248" y="1556792"/>
+            <a:ext cx="763351" cy="369332"/>
+          </a:xfrm>
+          <a:prstGeom prst="rect">
+            <a:avLst/>
+          </a:prstGeom>
+          <a:noFill/>
+        </p:spPr>
+        <p:txBody>
+          <a:bodyPr wrap="none" rtlCol="0">
+            <a:spAutoFit/>
+          </a:bodyPr>
+          <a:lstStyle/>
+          <a:p>
+            <a:r>
+              <a:rPr kumimoji="1" lang="en-US" altLang="ja-JP"/>
+              <a:t>1</a:t>
+            </a:r>
+            <a:r>
+              <a:rPr lang="ja-JP" altLang="en-US"/>
+              <a:t>番地</a:t>
+            </a:r>
+            <a:endParaRPr kumimoji="1" lang="ja-JP" altLang="en-US"/>
+          </a:p>
+        </p:txBody>
+      </p:sp>
+      <p:sp>
+        <p:nvSpPr>
+          <p:cNvPr id="34" name="テキスト ボックス 33">
+            <a:extLst>
+              <a:ext uri="{FF2B5EF4-FFF2-40B4-BE49-F238E27FC236}">
+                <a16:creationId xmlns:a16="http://schemas.microsoft.com/office/drawing/2014/main" id="{01EF90F6-E88A-DE46-9FAD-575AEFB814BF}"/>
+              </a:ext>
+            </a:extLst>
+          </p:cNvPr>
+          <p:cNvSpPr txBox="1"/>
+          <p:nvPr/>
+        </p:nvSpPr>
+        <p:spPr>
+          <a:xfrm>
+            <a:off x="6804248" y="1916832"/>
+            <a:ext cx="763351" cy="369332"/>
+          </a:xfrm>
+          <a:prstGeom prst="rect">
+            <a:avLst/>
+          </a:prstGeom>
+          <a:noFill/>
+        </p:spPr>
+        <p:txBody>
+          <a:bodyPr wrap="none" rtlCol="0">
+            <a:spAutoFit/>
+          </a:bodyPr>
+          <a:lstStyle/>
+          <a:p>
+            <a:r>
+              <a:rPr kumimoji="1" lang="en-US" altLang="ja-JP"/>
+              <a:t>2</a:t>
+            </a:r>
+            <a:r>
+              <a:rPr lang="ja-JP" altLang="en-US"/>
+              <a:t>番地</a:t>
+            </a:r>
+            <a:endParaRPr kumimoji="1" lang="ja-JP" altLang="en-US"/>
+          </a:p>
+        </p:txBody>
+      </p:sp>
+      <p:sp>
+        <p:nvSpPr>
+          <p:cNvPr id="38" name="1 つの角を切り取った四角形 37">
+            <a:extLst>
+              <a:ext uri="{FF2B5EF4-FFF2-40B4-BE49-F238E27FC236}">
+                <a16:creationId xmlns:a16="http://schemas.microsoft.com/office/drawing/2014/main" id="{098A3B99-5EBC-564C-8F4A-B4CAA732068D}"/>
+              </a:ext>
+            </a:extLst>
+          </p:cNvPr>
+          <p:cNvSpPr/>
+          <p:nvPr/>
+        </p:nvSpPr>
+        <p:spPr>
+          <a:xfrm>
+            <a:off x="4211960" y="1232756"/>
+            <a:ext cx="864096" cy="288032"/>
+          </a:xfrm>
+          <a:prstGeom prst="snip1Rect">
+            <a:avLst/>
+          </a:prstGeom>
+          <a:noFill/>
+          <a:ln>
+            <a:solidFill>
+              <a:schemeClr val="tx1"/>
+            </a:solidFill>
+          </a:ln>
+        </p:spPr>
+        <p:style>
+          <a:lnRef idx="2">
+            <a:schemeClr val="accent1">
+              <a:shade val="50000"/>
+            </a:schemeClr>
+          </a:lnRef>
+          <a:fillRef idx="1">
+            <a:schemeClr val="accent1"/>
+          </a:fillRef>
+          <a:effectRef idx="0">
+            <a:schemeClr val="accent1"/>
+          </a:effectRef>
+          <a:fontRef idx="minor">
+            <a:schemeClr val="lt1"/>
+          </a:fontRef>
+        </p:style>
+        <p:txBody>
+          <a:bodyPr rtlCol="0" anchor="ctr"/>
+          <a:lstStyle/>
+          <a:p>
+            <a:pPr algn="ctr"/>
+            <a:r>
+              <a:rPr kumimoji="1" lang="en-US" altLang="ja-JP" sz="2000">
+                <a:solidFill>
+                  <a:schemeClr val="tx1"/>
+                </a:solidFill>
+              </a:rPr>
+              <a:t>a</a:t>
+            </a:r>
+            <a:endParaRPr kumimoji="1" lang="ja-JP" altLang="en-US" sz="2000">
+              <a:solidFill>
+                <a:schemeClr val="tx1"/>
+              </a:solidFill>
+            </a:endParaRPr>
+          </a:p>
+        </p:txBody>
+      </p:sp>
+      <p:sp>
+        <p:nvSpPr>
+          <p:cNvPr id="39" name="1 つの角を切り取った四角形 38">
+            <a:extLst>
+              <a:ext uri="{FF2B5EF4-FFF2-40B4-BE49-F238E27FC236}">
+                <a16:creationId xmlns:a16="http://schemas.microsoft.com/office/drawing/2014/main" id="{D2CD6298-3CDD-FD42-A662-3DD2FBAB637C}"/>
+              </a:ext>
+            </a:extLst>
+          </p:cNvPr>
+          <p:cNvSpPr/>
+          <p:nvPr/>
+        </p:nvSpPr>
+        <p:spPr>
+          <a:xfrm>
+            <a:off x="4211960" y="1592796"/>
+            <a:ext cx="864096" cy="288032"/>
+          </a:xfrm>
+          <a:prstGeom prst="snip1Rect">
+            <a:avLst/>
+          </a:prstGeom>
+          <a:noFill/>
+          <a:ln>
+            <a:solidFill>
+              <a:schemeClr val="tx1"/>
+            </a:solidFill>
+          </a:ln>
+        </p:spPr>
+        <p:style>
+          <a:lnRef idx="2">
+            <a:schemeClr val="accent1">
+              <a:shade val="50000"/>
+            </a:schemeClr>
+          </a:lnRef>
+          <a:fillRef idx="1">
+            <a:schemeClr val="accent1"/>
+          </a:fillRef>
+          <a:effectRef idx="0">
+            <a:schemeClr val="accent1"/>
+          </a:effectRef>
+          <a:fontRef idx="minor">
+            <a:schemeClr val="lt1"/>
+          </a:fontRef>
+        </p:style>
+        <p:txBody>
+          <a:bodyPr rtlCol="0" anchor="ctr"/>
+          <a:lstStyle/>
+          <a:p>
+            <a:pPr algn="ctr"/>
+            <a:r>
+              <a:rPr kumimoji="1" lang="en-US" altLang="ja-JP" sz="2000">
+                <a:solidFill>
+                  <a:schemeClr val="tx1"/>
+                </a:solidFill>
+              </a:rPr>
+              <a:t>b</a:t>
+            </a:r>
+            <a:endParaRPr kumimoji="1" lang="ja-JP" altLang="en-US" sz="2000">
+              <a:solidFill>
+                <a:schemeClr val="tx1"/>
+              </a:solidFill>
+            </a:endParaRPr>
+          </a:p>
+        </p:txBody>
+      </p:sp>
+      <p:cxnSp>
+        <p:nvCxnSpPr>
+          <p:cNvPr id="40" name="直線矢印コネクタ 39">
+            <a:extLst>
+              <a:ext uri="{FF2B5EF4-FFF2-40B4-BE49-F238E27FC236}">
+                <a16:creationId xmlns:a16="http://schemas.microsoft.com/office/drawing/2014/main" id="{5D894221-2B47-E543-B665-D020D6C6D227}"/>
+              </a:ext>
+            </a:extLst>
+          </p:cNvPr>
+          <p:cNvCxnSpPr>
+            <a:stCxn id="38" idx="0"/>
+            <a:endCxn id="26" idx="1"/>
+          </p:cNvCxnSpPr>
+          <p:nvPr/>
+        </p:nvCxnSpPr>
+        <p:spPr>
+          <a:xfrm>
+            <a:off x="5076056" y="1376772"/>
+            <a:ext cx="288032" cy="0"/>
+          </a:xfrm>
+          <a:prstGeom prst="straightConnector1">
+            <a:avLst/>
+          </a:prstGeom>
+          <a:ln w="12700">
+            <a:solidFill>
+              <a:schemeClr val="tx1"/>
+            </a:solidFill>
+            <a:tailEnd type="triangle"/>
+          </a:ln>
+        </p:spPr>
+        <p:style>
+          <a:lnRef idx="1">
+            <a:schemeClr val="accent1"/>
+          </a:lnRef>
+          <a:fillRef idx="0">
+            <a:schemeClr val="accent1"/>
+          </a:fillRef>
+          <a:effectRef idx="0">
+            <a:schemeClr val="accent1"/>
+          </a:effectRef>
+          <a:fontRef idx="minor">
+            <a:schemeClr val="tx1"/>
+          </a:fontRef>
+        </p:style>
+      </p:cxnSp>
+      <p:cxnSp>
+        <p:nvCxnSpPr>
+          <p:cNvPr id="41" name="直線矢印コネクタ 40">
+            <a:extLst>
+              <a:ext uri="{FF2B5EF4-FFF2-40B4-BE49-F238E27FC236}">
+                <a16:creationId xmlns:a16="http://schemas.microsoft.com/office/drawing/2014/main" id="{E7B38831-E706-A94B-B919-E98DDBB6E136}"/>
+              </a:ext>
+            </a:extLst>
+          </p:cNvPr>
+          <p:cNvCxnSpPr>
+            <a:cxnSpLocks/>
+            <a:stCxn id="39" idx="0"/>
+            <a:endCxn id="27" idx="1"/>
+          </p:cNvCxnSpPr>
+          <p:nvPr/>
+        </p:nvCxnSpPr>
+        <p:spPr>
+          <a:xfrm>
+            <a:off x="5076056" y="1736812"/>
+            <a:ext cx="288032" cy="0"/>
+          </a:xfrm>
+          <a:prstGeom prst="straightConnector1">
+            <a:avLst/>
+          </a:prstGeom>
+          <a:ln w="12700">
+            <a:solidFill>
+              <a:schemeClr val="tx1"/>
+            </a:solidFill>
+            <a:tailEnd type="triangle"/>
+          </a:ln>
+        </p:spPr>
+        <p:style>
+          <a:lnRef idx="1">
+            <a:schemeClr val="accent1"/>
+          </a:lnRef>
+          <a:fillRef idx="0">
+            <a:schemeClr val="accent1"/>
+          </a:fillRef>
+          <a:effectRef idx="0">
+            <a:schemeClr val="accent1"/>
+          </a:effectRef>
+          <a:fontRef idx="minor">
+            <a:schemeClr val="tx1"/>
+          </a:fontRef>
+        </p:style>
+      </p:cxnSp>
+      <p:sp>
+        <p:nvSpPr>
+          <p:cNvPr id="42" name="正方形/長方形 41">
+            <a:extLst>
+              <a:ext uri="{FF2B5EF4-FFF2-40B4-BE49-F238E27FC236}">
+                <a16:creationId xmlns:a16="http://schemas.microsoft.com/office/drawing/2014/main" id="{E06F0334-378C-1141-B81E-DA5D1971C709}"/>
+              </a:ext>
+            </a:extLst>
+          </p:cNvPr>
+          <p:cNvSpPr/>
+          <p:nvPr/>
+        </p:nvSpPr>
+        <p:spPr>
+          <a:xfrm>
+            <a:off x="5364088" y="2564904"/>
+            <a:ext cx="1512168" cy="369332"/>
+          </a:xfrm>
+          <a:prstGeom prst="rect">
+            <a:avLst/>
+          </a:prstGeom>
+          <a:solidFill>
+            <a:schemeClr val="tx1"/>
+          </a:solidFill>
+        </p:spPr>
+        <p:txBody>
+          <a:bodyPr wrap="square">
+            <a:spAutoFit/>
+          </a:bodyPr>
+          <a:lstStyle/>
+          <a:p>
+            <a:r>
+              <a:rPr lang="en" altLang="ja-JP" b="0">
+                <a:solidFill>
+                  <a:srgbClr val="D4D4D4"/>
+                </a:solidFill>
+                <a:effectLst/>
+                <a:latin typeface="Menlo" panose="020B0609030804020204" pitchFamily="49" charset="0"/>
+              </a:rPr>
+              <a:t>a = a + b</a:t>
+            </a:r>
+          </a:p>
+        </p:txBody>
+      </p:sp>
+      <p:sp>
+        <p:nvSpPr>
+          <p:cNvPr id="43" name="正方形/長方形 42">
+            <a:extLst>
+              <a:ext uri="{FF2B5EF4-FFF2-40B4-BE49-F238E27FC236}">
+                <a16:creationId xmlns:a16="http://schemas.microsoft.com/office/drawing/2014/main" id="{46194432-BB80-D04D-8788-8AF9E98C2DEF}"/>
+              </a:ext>
+            </a:extLst>
+          </p:cNvPr>
+          <p:cNvSpPr/>
+          <p:nvPr/>
+        </p:nvSpPr>
+        <p:spPr>
+          <a:xfrm>
+            <a:off x="5364088" y="3284984"/>
+            <a:ext cx="1440160" cy="360040"/>
+          </a:xfrm>
+          <a:prstGeom prst="rect">
+            <a:avLst/>
+          </a:prstGeom>
+          <a:noFill/>
+          <a:ln>
+            <a:solidFill>
+              <a:schemeClr val="tx1"/>
+            </a:solidFill>
+          </a:ln>
+        </p:spPr>
+        <p:style>
+          <a:lnRef idx="2">
+            <a:schemeClr val="accent1">
+              <a:shade val="50000"/>
+            </a:schemeClr>
+          </a:lnRef>
+          <a:fillRef idx="1">
+            <a:schemeClr val="accent1"/>
+          </a:fillRef>
+          <a:effectRef idx="0">
+            <a:schemeClr val="accent1"/>
+          </a:effectRef>
+          <a:fontRef idx="minor">
+            <a:schemeClr val="lt1"/>
+          </a:fontRef>
+        </p:style>
+        <p:txBody>
+          <a:bodyPr rtlCol="0" anchor="ctr"/>
+          <a:lstStyle/>
+          <a:p>
+            <a:pPr algn="ctr"/>
+            <a:r>
+              <a:rPr kumimoji="1" lang="en-US" altLang="ja-JP">
+                <a:solidFill>
+                  <a:srgbClr val="FF0000"/>
+                </a:solidFill>
+              </a:rPr>
+              <a:t>30</a:t>
+            </a:r>
+            <a:endParaRPr kumimoji="1" lang="ja-JP" altLang="en-US">
+              <a:solidFill>
+                <a:srgbClr val="FF0000"/>
+              </a:solidFill>
+            </a:endParaRPr>
+          </a:p>
+        </p:txBody>
+      </p:sp>
+      <p:sp>
+        <p:nvSpPr>
+          <p:cNvPr id="44" name="正方形/長方形 43">
+            <a:extLst>
+              <a:ext uri="{FF2B5EF4-FFF2-40B4-BE49-F238E27FC236}">
+                <a16:creationId xmlns:a16="http://schemas.microsoft.com/office/drawing/2014/main" id="{559FB088-5201-134A-9989-C61BDEE8670C}"/>
+              </a:ext>
+            </a:extLst>
+          </p:cNvPr>
+          <p:cNvSpPr/>
+          <p:nvPr/>
+        </p:nvSpPr>
+        <p:spPr>
+          <a:xfrm>
+            <a:off x="5364088" y="3645024"/>
+            <a:ext cx="1440160" cy="360040"/>
+          </a:xfrm>
+          <a:prstGeom prst="rect">
+            <a:avLst/>
+          </a:prstGeom>
+          <a:noFill/>
+          <a:ln>
+            <a:solidFill>
+              <a:schemeClr val="tx1"/>
+            </a:solidFill>
+          </a:ln>
+        </p:spPr>
+        <p:style>
+          <a:lnRef idx="2">
+            <a:schemeClr val="accent1">
+              <a:shade val="50000"/>
+            </a:schemeClr>
+          </a:lnRef>
+          <a:fillRef idx="1">
+            <a:schemeClr val="accent1"/>
+          </a:fillRef>
+          <a:effectRef idx="0">
+            <a:schemeClr val="accent1"/>
+          </a:effectRef>
+          <a:fontRef idx="minor">
+            <a:schemeClr val="lt1"/>
+          </a:fontRef>
+        </p:style>
+        <p:txBody>
+          <a:bodyPr rtlCol="0" anchor="ctr"/>
+          <a:lstStyle/>
+          <a:p>
+            <a:pPr algn="ctr"/>
+            <a:r>
+              <a:rPr kumimoji="1" lang="en-US" altLang="ja-JP">
+                <a:solidFill>
+                  <a:schemeClr val="tx1"/>
+                </a:solidFill>
+              </a:rPr>
+              <a:t>20</a:t>
+            </a:r>
+            <a:endParaRPr kumimoji="1" lang="ja-JP" altLang="en-US">
+              <a:solidFill>
+                <a:schemeClr val="tx1"/>
+              </a:solidFill>
+            </a:endParaRPr>
+          </a:p>
+        </p:txBody>
+      </p:sp>
+      <p:sp>
+        <p:nvSpPr>
+          <p:cNvPr id="45" name="正方形/長方形 44">
+            <a:extLst>
+              <a:ext uri="{FF2B5EF4-FFF2-40B4-BE49-F238E27FC236}">
+                <a16:creationId xmlns:a16="http://schemas.microsoft.com/office/drawing/2014/main" id="{7A029912-8402-D442-A2AA-94670917CCE0}"/>
+              </a:ext>
+            </a:extLst>
+          </p:cNvPr>
+          <p:cNvSpPr/>
+          <p:nvPr/>
+        </p:nvSpPr>
+        <p:spPr>
+          <a:xfrm>
+            <a:off x="5364088" y="4005064"/>
+            <a:ext cx="1440160" cy="360040"/>
+          </a:xfrm>
+          <a:prstGeom prst="rect">
+            <a:avLst/>
+          </a:prstGeom>
+          <a:noFill/>
+          <a:ln>
+            <a:solidFill>
+              <a:schemeClr val="tx1"/>
+            </a:solidFill>
+          </a:ln>
+        </p:spPr>
+        <p:style>
+          <a:lnRef idx="2">
+            <a:schemeClr val="accent1">
+              <a:shade val="50000"/>
+            </a:schemeClr>
+          </a:lnRef>
+          <a:fillRef idx="1">
+            <a:schemeClr val="accent1"/>
+          </a:fillRef>
+          <a:effectRef idx="0">
+            <a:schemeClr val="accent1"/>
+          </a:effectRef>
+          <a:fontRef idx="minor">
+            <a:schemeClr val="lt1"/>
+          </a:fontRef>
+        </p:style>
+        <p:txBody>
+          <a:bodyPr rtlCol="0" anchor="ctr"/>
+          <a:lstStyle/>
+          <a:p>
+            <a:pPr algn="ctr"/>
+            <a:endParaRPr kumimoji="1" lang="ja-JP" altLang="en-US">
+              <a:solidFill>
+                <a:srgbClr val="FF0000"/>
+              </a:solidFill>
+            </a:endParaRPr>
+          </a:p>
+        </p:txBody>
+      </p:sp>
+      <p:sp>
+        <p:nvSpPr>
+          <p:cNvPr id="49" name="テキスト ボックス 48">
+            <a:extLst>
+              <a:ext uri="{FF2B5EF4-FFF2-40B4-BE49-F238E27FC236}">
+                <a16:creationId xmlns:a16="http://schemas.microsoft.com/office/drawing/2014/main" id="{9D11E5B9-784E-3C43-B0F6-246744652622}"/>
+              </a:ext>
+            </a:extLst>
+          </p:cNvPr>
+          <p:cNvSpPr txBox="1"/>
+          <p:nvPr/>
+        </p:nvSpPr>
+        <p:spPr>
+          <a:xfrm>
+            <a:off x="6804248" y="3284984"/>
+            <a:ext cx="763351" cy="369332"/>
+          </a:xfrm>
+          <a:prstGeom prst="rect">
+            <a:avLst/>
+          </a:prstGeom>
+          <a:noFill/>
+        </p:spPr>
+        <p:txBody>
+          <a:bodyPr wrap="none" rtlCol="0">
+            <a:spAutoFit/>
+          </a:bodyPr>
+          <a:lstStyle/>
+          <a:p>
+            <a:r>
+              <a:rPr kumimoji="1" lang="en-US" altLang="ja-JP"/>
+              <a:t>0</a:t>
+            </a:r>
+            <a:r>
+              <a:rPr lang="ja-JP" altLang="en-US"/>
+              <a:t>番地</a:t>
+            </a:r>
+            <a:endParaRPr kumimoji="1" lang="ja-JP" altLang="en-US"/>
+          </a:p>
+        </p:txBody>
+      </p:sp>
+      <p:sp>
+        <p:nvSpPr>
+          <p:cNvPr id="50" name="テキスト ボックス 49">
+            <a:extLst>
+              <a:ext uri="{FF2B5EF4-FFF2-40B4-BE49-F238E27FC236}">
+                <a16:creationId xmlns:a16="http://schemas.microsoft.com/office/drawing/2014/main" id="{AEA24516-1C23-4343-96DA-F7456CF4072D}"/>
+              </a:ext>
+            </a:extLst>
+          </p:cNvPr>
+          <p:cNvSpPr txBox="1"/>
+          <p:nvPr/>
+        </p:nvSpPr>
+        <p:spPr>
+          <a:xfrm>
+            <a:off x="6804248" y="3645024"/>
+            <a:ext cx="763351" cy="369332"/>
+          </a:xfrm>
+          <a:prstGeom prst="rect">
+            <a:avLst/>
+          </a:prstGeom>
+          <a:noFill/>
+        </p:spPr>
+        <p:txBody>
+          <a:bodyPr wrap="none" rtlCol="0">
+            <a:spAutoFit/>
+          </a:bodyPr>
+          <a:lstStyle/>
+          <a:p>
+            <a:r>
+              <a:rPr kumimoji="1" lang="en-US" altLang="ja-JP"/>
+              <a:t>1</a:t>
+            </a:r>
+            <a:r>
+              <a:rPr lang="ja-JP" altLang="en-US"/>
+              <a:t>番地</a:t>
+            </a:r>
+            <a:endParaRPr kumimoji="1" lang="ja-JP" altLang="en-US"/>
+          </a:p>
+        </p:txBody>
+      </p:sp>
+      <p:sp>
+        <p:nvSpPr>
+          <p:cNvPr id="51" name="テキスト ボックス 50">
+            <a:extLst>
+              <a:ext uri="{FF2B5EF4-FFF2-40B4-BE49-F238E27FC236}">
+                <a16:creationId xmlns:a16="http://schemas.microsoft.com/office/drawing/2014/main" id="{7880C320-2660-0347-962B-8A3867A8DAE3}"/>
+              </a:ext>
+            </a:extLst>
+          </p:cNvPr>
+          <p:cNvSpPr txBox="1"/>
+          <p:nvPr/>
+        </p:nvSpPr>
+        <p:spPr>
+          <a:xfrm>
+            <a:off x="6804248" y="4005064"/>
+            <a:ext cx="763351" cy="369332"/>
+          </a:xfrm>
+          <a:prstGeom prst="rect">
+            <a:avLst/>
+          </a:prstGeom>
+          <a:noFill/>
+        </p:spPr>
+        <p:txBody>
+          <a:bodyPr wrap="none" rtlCol="0">
+            <a:spAutoFit/>
+          </a:bodyPr>
+          <a:lstStyle/>
+          <a:p>
+            <a:r>
+              <a:rPr kumimoji="1" lang="en-US" altLang="ja-JP"/>
+              <a:t>2</a:t>
+            </a:r>
+            <a:r>
+              <a:rPr lang="ja-JP" altLang="en-US"/>
+              <a:t>番地</a:t>
+            </a:r>
+            <a:endParaRPr kumimoji="1" lang="ja-JP" altLang="en-US"/>
+          </a:p>
+        </p:txBody>
+      </p:sp>
+      <p:sp>
+        <p:nvSpPr>
+          <p:cNvPr id="55" name="1 つの角を切り取った四角形 54">
+            <a:extLst>
+              <a:ext uri="{FF2B5EF4-FFF2-40B4-BE49-F238E27FC236}">
+                <a16:creationId xmlns:a16="http://schemas.microsoft.com/office/drawing/2014/main" id="{754ACFCA-ACF6-C148-8ECB-695926E5158A}"/>
+              </a:ext>
+            </a:extLst>
+          </p:cNvPr>
+          <p:cNvSpPr/>
+          <p:nvPr/>
+        </p:nvSpPr>
+        <p:spPr>
+          <a:xfrm>
+            <a:off x="4211960" y="3320988"/>
+            <a:ext cx="864096" cy="288032"/>
+          </a:xfrm>
+          <a:prstGeom prst="snip1Rect">
+            <a:avLst/>
+          </a:prstGeom>
+          <a:noFill/>
+          <a:ln>
+            <a:solidFill>
+              <a:schemeClr val="tx1"/>
+            </a:solidFill>
+          </a:ln>
+        </p:spPr>
+        <p:style>
+          <a:lnRef idx="2">
+            <a:schemeClr val="accent1">
+              <a:shade val="50000"/>
+            </a:schemeClr>
+          </a:lnRef>
+          <a:fillRef idx="1">
+            <a:schemeClr val="accent1"/>
+          </a:fillRef>
+          <a:effectRef idx="0">
+            <a:schemeClr val="accent1"/>
+          </a:effectRef>
+          <a:fontRef idx="minor">
+            <a:schemeClr val="lt1"/>
+          </a:fontRef>
+        </p:style>
+        <p:txBody>
+          <a:bodyPr rtlCol="0" anchor="ctr"/>
+          <a:lstStyle/>
+          <a:p>
+            <a:pPr algn="ctr"/>
+            <a:r>
+              <a:rPr kumimoji="1" lang="en-US" altLang="ja-JP" sz="2000">
+                <a:solidFill>
+                  <a:schemeClr val="tx1"/>
+                </a:solidFill>
+              </a:rPr>
+              <a:t>a</a:t>
+            </a:r>
+            <a:endParaRPr kumimoji="1" lang="ja-JP" altLang="en-US" sz="2000">
+              <a:solidFill>
+                <a:schemeClr val="tx1"/>
+              </a:solidFill>
+            </a:endParaRPr>
+          </a:p>
+        </p:txBody>
+      </p:sp>
+      <p:sp>
+        <p:nvSpPr>
+          <p:cNvPr id="56" name="1 つの角を切り取った四角形 55">
+            <a:extLst>
+              <a:ext uri="{FF2B5EF4-FFF2-40B4-BE49-F238E27FC236}">
+                <a16:creationId xmlns:a16="http://schemas.microsoft.com/office/drawing/2014/main" id="{C03716EB-EB01-E341-ADAB-94D3E031B2A4}"/>
+              </a:ext>
+            </a:extLst>
+          </p:cNvPr>
+          <p:cNvSpPr/>
+          <p:nvPr/>
+        </p:nvSpPr>
+        <p:spPr>
+          <a:xfrm>
+            <a:off x="4211960" y="3681028"/>
+            <a:ext cx="864096" cy="288032"/>
+          </a:xfrm>
+          <a:prstGeom prst="snip1Rect">
+            <a:avLst/>
+          </a:prstGeom>
+          <a:noFill/>
+          <a:ln>
+            <a:solidFill>
+              <a:schemeClr val="tx1"/>
+            </a:solidFill>
+          </a:ln>
+        </p:spPr>
+        <p:style>
+          <a:lnRef idx="2">
+            <a:schemeClr val="accent1">
+              <a:shade val="50000"/>
+            </a:schemeClr>
+          </a:lnRef>
+          <a:fillRef idx="1">
+            <a:schemeClr val="accent1"/>
+          </a:fillRef>
+          <a:effectRef idx="0">
+            <a:schemeClr val="accent1"/>
+          </a:effectRef>
+          <a:fontRef idx="minor">
+            <a:schemeClr val="lt1"/>
+          </a:fontRef>
+        </p:style>
+        <p:txBody>
+          <a:bodyPr rtlCol="0" anchor="ctr"/>
+          <a:lstStyle/>
+          <a:p>
+            <a:pPr algn="ctr"/>
+            <a:r>
+              <a:rPr kumimoji="1" lang="en-US" altLang="ja-JP" sz="2000">
+                <a:solidFill>
+                  <a:schemeClr val="tx1"/>
+                </a:solidFill>
+              </a:rPr>
+              <a:t>b</a:t>
+            </a:r>
+            <a:endParaRPr kumimoji="1" lang="ja-JP" altLang="en-US" sz="2000">
+              <a:solidFill>
+                <a:schemeClr val="tx1"/>
+              </a:solidFill>
+            </a:endParaRPr>
+          </a:p>
+        </p:txBody>
+      </p:sp>
+      <p:cxnSp>
+        <p:nvCxnSpPr>
+          <p:cNvPr id="57" name="直線矢印コネクタ 56">
+            <a:extLst>
+              <a:ext uri="{FF2B5EF4-FFF2-40B4-BE49-F238E27FC236}">
+                <a16:creationId xmlns:a16="http://schemas.microsoft.com/office/drawing/2014/main" id="{A3415B5E-BBD1-7145-A733-6503FD145441}"/>
+              </a:ext>
+            </a:extLst>
+          </p:cNvPr>
+          <p:cNvCxnSpPr>
+            <a:stCxn id="55" idx="0"/>
+            <a:endCxn id="43" idx="1"/>
+          </p:cNvCxnSpPr>
+          <p:nvPr/>
+        </p:nvCxnSpPr>
+        <p:spPr>
+          <a:xfrm>
+            <a:off x="5076056" y="3465004"/>
+            <a:ext cx="288032" cy="0"/>
+          </a:xfrm>
+          <a:prstGeom prst="straightConnector1">
+            <a:avLst/>
+          </a:prstGeom>
+          <a:ln w="12700">
+            <a:solidFill>
+              <a:schemeClr val="tx1"/>
+            </a:solidFill>
+            <a:tailEnd type="triangle"/>
+          </a:ln>
+        </p:spPr>
+        <p:style>
+          <a:lnRef idx="1">
+            <a:schemeClr val="accent1"/>
+          </a:lnRef>
+          <a:fillRef idx="0">
+            <a:schemeClr val="accent1"/>
+          </a:fillRef>
+          <a:effectRef idx="0">
+            <a:schemeClr val="accent1"/>
+          </a:effectRef>
+          <a:fontRef idx="minor">
+            <a:schemeClr val="tx1"/>
+          </a:fontRef>
+        </p:style>
+      </p:cxnSp>
+      <p:cxnSp>
+        <p:nvCxnSpPr>
+          <p:cNvPr id="58" name="直線矢印コネクタ 57">
+            <a:extLst>
+              <a:ext uri="{FF2B5EF4-FFF2-40B4-BE49-F238E27FC236}">
+                <a16:creationId xmlns:a16="http://schemas.microsoft.com/office/drawing/2014/main" id="{46A7F411-14A3-EF47-B135-2DF623042CAC}"/>
+              </a:ext>
+            </a:extLst>
+          </p:cNvPr>
+          <p:cNvCxnSpPr>
+            <a:cxnSpLocks/>
+            <a:stCxn id="56" idx="0"/>
+            <a:endCxn id="44" idx="1"/>
+          </p:cNvCxnSpPr>
+          <p:nvPr/>
+        </p:nvCxnSpPr>
+        <p:spPr>
+          <a:xfrm>
+            <a:off x="5076056" y="3825044"/>
+            <a:ext cx="288032" cy="0"/>
+          </a:xfrm>
+          <a:prstGeom prst="straightConnector1">
+            <a:avLst/>
+          </a:prstGeom>
+          <a:ln w="12700">
+            <a:solidFill>
+              <a:schemeClr val="tx1"/>
+            </a:solidFill>
+            <a:tailEnd type="triangle"/>
+          </a:ln>
+        </p:spPr>
+        <p:style>
+          <a:lnRef idx="1">
+            <a:schemeClr val="accent1"/>
+          </a:lnRef>
+          <a:fillRef idx="0">
+            <a:schemeClr val="accent1"/>
+          </a:fillRef>
+          <a:effectRef idx="0">
+            <a:schemeClr val="accent1"/>
+          </a:effectRef>
+          <a:fontRef idx="minor">
+            <a:schemeClr val="tx1"/>
+          </a:fontRef>
+        </p:style>
+      </p:cxnSp>
+      <p:sp>
+        <p:nvSpPr>
+          <p:cNvPr id="61" name="1 つの角を切り取った四角形 60">
+            <a:extLst>
+              <a:ext uri="{FF2B5EF4-FFF2-40B4-BE49-F238E27FC236}">
+                <a16:creationId xmlns:a16="http://schemas.microsoft.com/office/drawing/2014/main" id="{626E90B5-DA84-AB49-9EF4-D1E8324EFACB}"/>
+              </a:ext>
+            </a:extLst>
+          </p:cNvPr>
+          <p:cNvSpPr/>
+          <p:nvPr/>
+        </p:nvSpPr>
+        <p:spPr>
+          <a:xfrm>
+            <a:off x="4211960" y="1988840"/>
+            <a:ext cx="864096" cy="288032"/>
+          </a:xfrm>
+          <a:prstGeom prst="snip1Rect">
+            <a:avLst/>
+          </a:prstGeom>
+          <a:noFill/>
+          <a:ln>
+            <a:solidFill>
+              <a:srgbClr val="FF0000"/>
+            </a:solidFill>
+          </a:ln>
+        </p:spPr>
+        <p:style>
+          <a:lnRef idx="2">
+            <a:schemeClr val="accent1">
+              <a:shade val="50000"/>
+            </a:schemeClr>
+          </a:lnRef>
+          <a:fillRef idx="1">
+            <a:schemeClr val="accent1"/>
+          </a:fillRef>
+          <a:effectRef idx="0">
+            <a:schemeClr val="accent1"/>
+          </a:effectRef>
+          <a:fontRef idx="minor">
+            <a:schemeClr val="lt1"/>
+          </a:fontRef>
+        </p:style>
+        <p:txBody>
+          <a:bodyPr rtlCol="0" anchor="ctr"/>
+          <a:lstStyle/>
+          <a:p>
+            <a:pPr algn="ctr"/>
+            <a:r>
+              <a:rPr kumimoji="1" lang="en-US" altLang="ja-JP" sz="2000">
+                <a:solidFill>
+                  <a:srgbClr val="FF0000"/>
+                </a:solidFill>
+              </a:rPr>
+              <a:t>c</a:t>
+            </a:r>
+            <a:endParaRPr kumimoji="1" lang="ja-JP" altLang="en-US" sz="2000">
+              <a:solidFill>
+                <a:srgbClr val="FF0000"/>
+              </a:solidFill>
+            </a:endParaRPr>
+          </a:p>
+        </p:txBody>
+      </p:sp>
+      <p:cxnSp>
+        <p:nvCxnSpPr>
+          <p:cNvPr id="62" name="直線矢印コネクタ 61">
+            <a:extLst>
+              <a:ext uri="{FF2B5EF4-FFF2-40B4-BE49-F238E27FC236}">
+                <a16:creationId xmlns:a16="http://schemas.microsoft.com/office/drawing/2014/main" id="{A4BEB851-9083-4C4A-86A9-2B1E4F78B994}"/>
+              </a:ext>
+            </a:extLst>
+          </p:cNvPr>
+          <p:cNvCxnSpPr>
+            <a:cxnSpLocks/>
+            <a:stCxn id="61" idx="0"/>
+          </p:cNvCxnSpPr>
+          <p:nvPr/>
+        </p:nvCxnSpPr>
+        <p:spPr>
+          <a:xfrm>
+            <a:off x="5076056" y="2132856"/>
+            <a:ext cx="288032" cy="0"/>
+          </a:xfrm>
+          <a:prstGeom prst="straightConnector1">
+            <a:avLst/>
+          </a:prstGeom>
+          <a:ln w="12700">
+            <a:solidFill>
+              <a:schemeClr val="tx1"/>
+            </a:solidFill>
+            <a:tailEnd type="triangle"/>
+          </a:ln>
+        </p:spPr>
+        <p:style>
+          <a:lnRef idx="1">
+            <a:schemeClr val="accent1"/>
+          </a:lnRef>
+          <a:fillRef idx="0">
+            <a:schemeClr val="accent1"/>
+          </a:fillRef>
+          <a:effectRef idx="0">
+            <a:schemeClr val="accent1"/>
+          </a:effectRef>
+          <a:fontRef idx="minor">
+            <a:schemeClr val="tx1"/>
+          </a:fontRef>
+        </p:style>
+      </p:cxnSp>
+      <p:sp>
+        <p:nvSpPr>
+          <p:cNvPr id="63" name="右矢印 62">
+            <a:extLst>
+              <a:ext uri="{FF2B5EF4-FFF2-40B4-BE49-F238E27FC236}">
+                <a16:creationId xmlns:a16="http://schemas.microsoft.com/office/drawing/2014/main" id="{75EDCAAD-63B3-7C49-82BD-074358DC33A3}"/>
+              </a:ext>
+            </a:extLst>
+          </p:cNvPr>
+          <p:cNvSpPr/>
+          <p:nvPr/>
+        </p:nvSpPr>
+        <p:spPr>
+          <a:xfrm rot="20700000">
+            <a:off x="3595028" y="1670485"/>
+            <a:ext cx="360040" cy="288032"/>
+          </a:xfrm>
+          <a:prstGeom prst="rightArrow">
+            <a:avLst/>
+          </a:prstGeom>
+          <a:solidFill>
+            <a:srgbClr val="FF0000"/>
+          </a:solidFill>
+          <a:ln>
+            <a:solidFill>
+              <a:schemeClr val="tx1"/>
+            </a:solidFill>
+          </a:ln>
+        </p:spPr>
+        <p:style>
+          <a:lnRef idx="2">
+            <a:schemeClr val="accent1">
+              <a:shade val="50000"/>
+            </a:schemeClr>
+          </a:lnRef>
+          <a:fillRef idx="1">
+            <a:schemeClr val="accent1"/>
+          </a:fillRef>
+          <a:effectRef idx="0">
+            <a:schemeClr val="accent1"/>
+          </a:effectRef>
+          <a:fontRef idx="minor">
+            <a:schemeClr val="lt1"/>
+          </a:fontRef>
+        </p:style>
+        <p:txBody>
+          <a:bodyPr rtlCol="0" anchor="ctr"/>
+          <a:lstStyle/>
+          <a:p>
+            <a:pPr algn="ctr"/>
+            <a:endParaRPr kumimoji="1" lang="ja-JP" altLang="en-US"/>
+          </a:p>
+        </p:txBody>
+      </p:sp>
+      <p:sp>
+        <p:nvSpPr>
+          <p:cNvPr id="64" name="右矢印 63">
+            <a:extLst>
+              <a:ext uri="{FF2B5EF4-FFF2-40B4-BE49-F238E27FC236}">
+                <a16:creationId xmlns:a16="http://schemas.microsoft.com/office/drawing/2014/main" id="{C797DB0C-3E10-094A-9E6B-64323C3F3933}"/>
+              </a:ext>
+            </a:extLst>
+          </p:cNvPr>
+          <p:cNvSpPr/>
+          <p:nvPr/>
+        </p:nvSpPr>
+        <p:spPr>
+          <a:xfrm rot="1800000">
+            <a:off x="3539771" y="2995659"/>
+            <a:ext cx="360040" cy="288032"/>
+          </a:xfrm>
+          <a:prstGeom prst="rightArrow">
+            <a:avLst/>
+          </a:prstGeom>
+          <a:solidFill>
+            <a:srgbClr val="FF0000"/>
+          </a:solidFill>
+          <a:ln>
+            <a:solidFill>
+              <a:schemeClr val="tx1"/>
+            </a:solidFill>
+          </a:ln>
+        </p:spPr>
+        <p:style>
+          <a:lnRef idx="2">
+            <a:schemeClr val="accent1">
+              <a:shade val="50000"/>
+            </a:schemeClr>
+          </a:lnRef>
+          <a:fillRef idx="1">
+            <a:schemeClr val="accent1"/>
+          </a:fillRef>
+          <a:effectRef idx="0">
+            <a:schemeClr val="accent1"/>
+          </a:effectRef>
+          <a:fontRef idx="minor">
+            <a:schemeClr val="lt1"/>
+          </a:fontRef>
+        </p:style>
+        <p:txBody>
+          <a:bodyPr rtlCol="0" anchor="ctr"/>
+          <a:lstStyle/>
+          <a:p>
+            <a:pPr algn="ctr"/>
+            <a:endParaRPr kumimoji="1" lang="ja-JP" altLang="en-US"/>
+          </a:p>
+        </p:txBody>
+      </p:sp>
+    </p:spTree>
+    <p:extLst>
+      <p:ext uri="{BB962C8B-B14F-4D97-AF65-F5344CB8AC3E}">
+        <p14:creationId xmlns:p14="http://schemas.microsoft.com/office/powerpoint/2010/main" val="1306766367"/>
+      </p:ext>
+    </p:extLst>
+  </p:cSld>
+  <p:clrMapOvr>
+    <a:masterClrMapping/>
+  </p:clrMapOvr>
+</p:sld>
+</file>
+
+<file path=ppt/slides/slide3.xml><?xml version="1.0" encoding="utf-8"?>
+<p:sld xmlns:a="http://schemas.openxmlformats.org/drawingml/2006/main" xmlns:r="http://schemas.openxmlformats.org/officeDocument/2006/relationships" xmlns:p="http://schemas.openxmlformats.org/presentationml/2006/main">
+  <p:cSld>
+    <p:spTree>
+      <p:nvGrpSpPr>
+        <p:cNvPr id="1" name=""/>
+        <p:cNvGrpSpPr/>
+        <p:nvPr/>
+      </p:nvGrpSpPr>
+      <p:grpSpPr>
+        <a:xfrm>
+          <a:off x="0" y="0"/>
+          <a:ext cx="0" cy="0"/>
+          <a:chOff x="0" y="0"/>
+          <a:chExt cx="0" cy="0"/>
+        </a:xfrm>
+      </p:grpSpPr>
+      <p:sp>
+        <p:nvSpPr>
+          <p:cNvPr id="2" name="正方形/長方形 1">
+            <a:extLst>
+              <a:ext uri="{FF2B5EF4-FFF2-40B4-BE49-F238E27FC236}">
+                <a16:creationId xmlns:a16="http://schemas.microsoft.com/office/drawing/2014/main" id="{7175ADD3-BF55-CD46-A31D-9764A63AEEF5}"/>
+              </a:ext>
+            </a:extLst>
+          </p:cNvPr>
+          <p:cNvSpPr/>
+          <p:nvPr/>
+        </p:nvSpPr>
+        <p:spPr>
+          <a:xfrm>
+            <a:off x="3563888" y="980728"/>
+            <a:ext cx="1440160" cy="360040"/>
+          </a:xfrm>
+          <a:prstGeom prst="rect">
+            <a:avLst/>
+          </a:prstGeom>
+          <a:noFill/>
+          <a:ln>
+            <a:solidFill>
+              <a:schemeClr val="tx1"/>
+            </a:solidFill>
+          </a:ln>
+        </p:spPr>
+        <p:style>
+          <a:lnRef idx="2">
+            <a:schemeClr val="accent1">
+              <a:shade val="50000"/>
+            </a:schemeClr>
+          </a:lnRef>
+          <a:fillRef idx="1">
+            <a:schemeClr val="accent1"/>
+          </a:fillRef>
+          <a:effectRef idx="0">
+            <a:schemeClr val="accent1"/>
+          </a:effectRef>
+          <a:fontRef idx="minor">
+            <a:schemeClr val="lt1"/>
+          </a:fontRef>
+        </p:style>
+        <p:txBody>
+          <a:bodyPr rtlCol="0" anchor="ctr"/>
+          <a:lstStyle/>
+          <a:p>
+            <a:pPr algn="ctr"/>
+            <a:r>
+              <a:rPr kumimoji="1" lang="en-US" altLang="ja-JP">
+                <a:solidFill>
+                  <a:schemeClr val="tx1"/>
+                </a:solidFill>
+              </a:rPr>
+              <a:t>1</a:t>
+            </a:r>
+            <a:endParaRPr kumimoji="1" lang="ja-JP" altLang="en-US">
+              <a:solidFill>
+                <a:schemeClr val="tx1"/>
+              </a:solidFill>
+            </a:endParaRPr>
+          </a:p>
+        </p:txBody>
+      </p:sp>
+      <p:sp>
+        <p:nvSpPr>
+          <p:cNvPr id="8" name="正方形/長方形 7">
+            <a:extLst>
+              <a:ext uri="{FF2B5EF4-FFF2-40B4-BE49-F238E27FC236}">
+                <a16:creationId xmlns:a16="http://schemas.microsoft.com/office/drawing/2014/main" id="{5DC9C7B7-95F0-E54A-8CE7-9FF84DD38A09}"/>
+              </a:ext>
+            </a:extLst>
+          </p:cNvPr>
+          <p:cNvSpPr/>
+          <p:nvPr/>
+        </p:nvSpPr>
+        <p:spPr>
+          <a:xfrm>
+            <a:off x="3131840" y="404664"/>
+            <a:ext cx="1008112" cy="369332"/>
+          </a:xfrm>
+          <a:prstGeom prst="rect">
+            <a:avLst/>
+          </a:prstGeom>
+          <a:solidFill>
+            <a:schemeClr val="tx1"/>
+          </a:solidFill>
+        </p:spPr>
+        <p:txBody>
+          <a:bodyPr wrap="square">
+            <a:spAutoFit/>
+          </a:bodyPr>
+          <a:lstStyle/>
+          <a:p>
+            <a:r>
+              <a:rPr lang="en" altLang="ja-JP" b="0">
+                <a:solidFill>
+                  <a:srgbClr val="D4D4D4"/>
+                </a:solidFill>
+                <a:effectLst/>
+                <a:latin typeface="Menlo" panose="020B0609030804020204" pitchFamily="49" charset="0"/>
+              </a:rPr>
+              <a:t>a = </a:t>
+            </a:r>
+            <a:r>
+              <a:rPr lang="en" altLang="ja-JP" b="0">
+                <a:solidFill>
+                  <a:srgbClr val="B5CEA8"/>
+                </a:solidFill>
+                <a:effectLst/>
+                <a:latin typeface="Menlo" panose="020B0609030804020204" pitchFamily="49" charset="0"/>
+              </a:rPr>
+              <a:t>1</a:t>
+            </a:r>
+            <a:endParaRPr lang="en" altLang="ja-JP" b="0">
+              <a:solidFill>
+                <a:srgbClr val="D4D4D4"/>
+              </a:solidFill>
+              <a:effectLst/>
+              <a:latin typeface="Menlo" panose="020B0609030804020204" pitchFamily="49" charset="0"/>
+            </a:endParaRPr>
+          </a:p>
+        </p:txBody>
+      </p:sp>
+      <p:sp>
+        <p:nvSpPr>
+          <p:cNvPr id="9" name="1 つの角を切り取った四角形 8">
+            <a:extLst>
+              <a:ext uri="{FF2B5EF4-FFF2-40B4-BE49-F238E27FC236}">
+                <a16:creationId xmlns:a16="http://schemas.microsoft.com/office/drawing/2014/main" id="{78717851-A24E-1E45-A8BC-DFE29F593785}"/>
+              </a:ext>
+            </a:extLst>
+          </p:cNvPr>
+          <p:cNvSpPr/>
+          <p:nvPr/>
+        </p:nvSpPr>
+        <p:spPr>
+          <a:xfrm>
+            <a:off x="2411760" y="980728"/>
+            <a:ext cx="864096" cy="288032"/>
+          </a:xfrm>
+          <a:prstGeom prst="snip1Rect">
+            <a:avLst/>
+          </a:prstGeom>
+          <a:noFill/>
+          <a:ln>
+            <a:solidFill>
+              <a:schemeClr val="tx1"/>
+            </a:solidFill>
+          </a:ln>
+        </p:spPr>
+        <p:style>
+          <a:lnRef idx="2">
+            <a:schemeClr val="accent1">
+              <a:shade val="50000"/>
+            </a:schemeClr>
+          </a:lnRef>
+          <a:fillRef idx="1">
+            <a:schemeClr val="accent1"/>
+          </a:fillRef>
+          <a:effectRef idx="0">
+            <a:schemeClr val="accent1"/>
+          </a:effectRef>
+          <a:fontRef idx="minor">
+            <a:schemeClr val="lt1"/>
+          </a:fontRef>
+        </p:style>
+        <p:txBody>
+          <a:bodyPr rtlCol="0" anchor="ctr"/>
+          <a:lstStyle/>
+          <a:p>
+            <a:pPr algn="ctr"/>
+            <a:r>
+              <a:rPr kumimoji="1" lang="en-US" altLang="ja-JP" sz="2000">
+                <a:solidFill>
+                  <a:schemeClr val="tx1"/>
+                </a:solidFill>
+              </a:rPr>
+              <a:t>a</a:t>
+            </a:r>
+            <a:endParaRPr kumimoji="1" lang="ja-JP" altLang="en-US" sz="2000">
+              <a:solidFill>
+                <a:schemeClr val="tx1"/>
+              </a:solidFill>
+            </a:endParaRPr>
+          </a:p>
+        </p:txBody>
+      </p:sp>
+      <p:cxnSp>
+        <p:nvCxnSpPr>
+          <p:cNvPr id="10" name="直線矢印コネクタ 9">
+            <a:extLst>
+              <a:ext uri="{FF2B5EF4-FFF2-40B4-BE49-F238E27FC236}">
+                <a16:creationId xmlns:a16="http://schemas.microsoft.com/office/drawing/2014/main" id="{AF6B3DFC-4D9B-6948-9560-A783B723701D}"/>
+              </a:ext>
+            </a:extLst>
+          </p:cNvPr>
+          <p:cNvCxnSpPr>
+            <a:stCxn id="9" idx="0"/>
+          </p:cNvCxnSpPr>
+          <p:nvPr/>
+        </p:nvCxnSpPr>
+        <p:spPr>
+          <a:xfrm>
+            <a:off x="3275856" y="1124744"/>
+            <a:ext cx="288032" cy="0"/>
+          </a:xfrm>
+          <a:prstGeom prst="straightConnector1">
+            <a:avLst/>
+          </a:prstGeom>
+          <a:ln w="12700">
+            <a:solidFill>
+              <a:schemeClr val="tx1"/>
+            </a:solidFill>
+            <a:tailEnd type="triangle"/>
+          </a:ln>
+        </p:spPr>
+        <p:style>
+          <a:lnRef idx="1">
+            <a:schemeClr val="accent1"/>
+          </a:lnRef>
+          <a:fillRef idx="0">
+            <a:schemeClr val="accent1"/>
+          </a:fillRef>
+          <a:effectRef idx="0">
+            <a:schemeClr val="accent1"/>
+          </a:effectRef>
+          <a:fontRef idx="minor">
+            <a:schemeClr val="tx1"/>
+          </a:fontRef>
+        </p:style>
+      </p:cxnSp>
+      <p:sp>
+        <p:nvSpPr>
+          <p:cNvPr id="11" name="テキスト ボックス 10">
+            <a:extLst>
+              <a:ext uri="{FF2B5EF4-FFF2-40B4-BE49-F238E27FC236}">
+                <a16:creationId xmlns:a16="http://schemas.microsoft.com/office/drawing/2014/main" id="{76FB7E54-49E2-9044-894C-341AEFCD5B2C}"/>
+              </a:ext>
+            </a:extLst>
+          </p:cNvPr>
+          <p:cNvSpPr txBox="1"/>
+          <p:nvPr/>
+        </p:nvSpPr>
+        <p:spPr>
+          <a:xfrm>
+            <a:off x="1187624" y="980728"/>
+            <a:ext cx="665054" cy="369332"/>
+          </a:xfrm>
+          <a:prstGeom prst="rect">
+            <a:avLst/>
+          </a:prstGeom>
+          <a:noFill/>
+        </p:spPr>
+        <p:txBody>
+          <a:bodyPr wrap="none" rtlCol="0">
+            <a:spAutoFit/>
+          </a:bodyPr>
+          <a:lstStyle/>
+          <a:p>
+            <a:r>
+              <a:rPr kumimoji="1" lang="en-US" altLang="ja-JP"/>
+              <a:t>int</a:t>
+            </a:r>
+            <a:r>
+              <a:rPr kumimoji="1" lang="ja-JP" altLang="en-US"/>
+              <a:t>型</a:t>
+            </a:r>
+          </a:p>
+        </p:txBody>
+      </p:sp>
+      <p:sp>
+        <p:nvSpPr>
+          <p:cNvPr id="12" name="正方形/長方形 11">
+            <a:extLst>
+              <a:ext uri="{FF2B5EF4-FFF2-40B4-BE49-F238E27FC236}">
+                <a16:creationId xmlns:a16="http://schemas.microsoft.com/office/drawing/2014/main" id="{A5126D7A-37C8-6E47-8693-7A76517F7702}"/>
+              </a:ext>
+            </a:extLst>
+          </p:cNvPr>
+          <p:cNvSpPr/>
+          <p:nvPr/>
+        </p:nvSpPr>
+        <p:spPr>
+          <a:xfrm>
+            <a:off x="3563888" y="2276872"/>
+            <a:ext cx="2520280" cy="360040"/>
+          </a:xfrm>
+          <a:prstGeom prst="rect">
+            <a:avLst/>
+          </a:prstGeom>
+          <a:noFill/>
+          <a:ln>
+            <a:solidFill>
+              <a:schemeClr val="tx1"/>
+            </a:solidFill>
+          </a:ln>
+        </p:spPr>
+        <p:style>
+          <a:lnRef idx="2">
+            <a:schemeClr val="accent1">
+              <a:shade val="50000"/>
+            </a:schemeClr>
+          </a:lnRef>
+          <a:fillRef idx="1">
+            <a:schemeClr val="accent1"/>
+          </a:fillRef>
+          <a:effectRef idx="0">
+            <a:schemeClr val="accent1"/>
+          </a:effectRef>
+          <a:fontRef idx="minor">
+            <a:schemeClr val="lt1"/>
+          </a:fontRef>
+        </p:style>
+        <p:txBody>
+          <a:bodyPr rtlCol="0" anchor="ctr"/>
+          <a:lstStyle/>
+          <a:p>
+            <a:pPr algn="ctr"/>
+            <a:r>
+              <a:rPr lang="en-US" altLang="ja-JP">
+                <a:solidFill>
+                  <a:schemeClr val="tx1"/>
+                </a:solidFill>
+              </a:rPr>
+              <a:t>3F F0 00 00 00 00 00 00 </a:t>
+            </a:r>
+            <a:endParaRPr kumimoji="1" lang="ja-JP" altLang="en-US">
+              <a:solidFill>
+                <a:schemeClr val="tx1"/>
+              </a:solidFill>
+            </a:endParaRPr>
+          </a:p>
+        </p:txBody>
+      </p:sp>
+      <p:sp>
+        <p:nvSpPr>
+          <p:cNvPr id="14" name="1 つの角を切り取った四角形 13">
+            <a:extLst>
+              <a:ext uri="{FF2B5EF4-FFF2-40B4-BE49-F238E27FC236}">
+                <a16:creationId xmlns:a16="http://schemas.microsoft.com/office/drawing/2014/main" id="{C7384C06-4984-2E4A-8580-306DD967F10D}"/>
+              </a:ext>
+            </a:extLst>
+          </p:cNvPr>
+          <p:cNvSpPr/>
+          <p:nvPr/>
+        </p:nvSpPr>
+        <p:spPr>
+          <a:xfrm>
+            <a:off x="2411760" y="2348880"/>
+            <a:ext cx="864096" cy="288032"/>
+          </a:xfrm>
+          <a:prstGeom prst="snip1Rect">
+            <a:avLst/>
+          </a:prstGeom>
+          <a:noFill/>
+          <a:ln>
+            <a:solidFill>
+              <a:schemeClr val="tx1"/>
+            </a:solidFill>
+          </a:ln>
+        </p:spPr>
+        <p:style>
+          <a:lnRef idx="2">
+            <a:schemeClr val="accent1">
+              <a:shade val="50000"/>
+            </a:schemeClr>
+          </a:lnRef>
+          <a:fillRef idx="1">
+            <a:schemeClr val="accent1"/>
+          </a:fillRef>
+          <a:effectRef idx="0">
+            <a:schemeClr val="accent1"/>
+          </a:effectRef>
+          <a:fontRef idx="minor">
+            <a:schemeClr val="lt1"/>
+          </a:fontRef>
+        </p:style>
+        <p:txBody>
+          <a:bodyPr rtlCol="0" anchor="ctr"/>
+          <a:lstStyle/>
+          <a:p>
+            <a:pPr algn="ctr"/>
+            <a:r>
+              <a:rPr kumimoji="1" lang="en-US" altLang="ja-JP" sz="2000">
+                <a:solidFill>
+                  <a:schemeClr val="tx1"/>
+                </a:solidFill>
+              </a:rPr>
+              <a:t>b</a:t>
+            </a:r>
+            <a:endParaRPr kumimoji="1" lang="ja-JP" altLang="en-US" sz="2000">
+              <a:solidFill>
+                <a:schemeClr val="tx1"/>
+              </a:solidFill>
+            </a:endParaRPr>
+          </a:p>
+        </p:txBody>
+      </p:sp>
+      <p:cxnSp>
+        <p:nvCxnSpPr>
+          <p:cNvPr id="15" name="直線矢印コネクタ 14">
+            <a:extLst>
+              <a:ext uri="{FF2B5EF4-FFF2-40B4-BE49-F238E27FC236}">
+                <a16:creationId xmlns:a16="http://schemas.microsoft.com/office/drawing/2014/main" id="{4B15C368-8547-2F4D-AB7E-BD26F21D325D}"/>
+              </a:ext>
+            </a:extLst>
+          </p:cNvPr>
+          <p:cNvCxnSpPr>
+            <a:stCxn id="14" idx="0"/>
+          </p:cNvCxnSpPr>
+          <p:nvPr/>
+        </p:nvCxnSpPr>
+        <p:spPr>
+          <a:xfrm>
+            <a:off x="3275856" y="2492896"/>
+            <a:ext cx="288032" cy="0"/>
+          </a:xfrm>
+          <a:prstGeom prst="straightConnector1">
+            <a:avLst/>
+          </a:prstGeom>
+          <a:ln w="12700">
+            <a:solidFill>
+              <a:schemeClr val="tx1"/>
+            </a:solidFill>
+            <a:tailEnd type="triangle"/>
+          </a:ln>
+        </p:spPr>
+        <p:style>
+          <a:lnRef idx="1">
+            <a:schemeClr val="accent1"/>
+          </a:lnRef>
+          <a:fillRef idx="0">
+            <a:schemeClr val="accent1"/>
+          </a:fillRef>
+          <a:effectRef idx="0">
+            <a:schemeClr val="accent1"/>
+          </a:effectRef>
+          <a:fontRef idx="minor">
+            <a:schemeClr val="tx1"/>
+          </a:fontRef>
+        </p:style>
+      </p:cxnSp>
+      <p:sp>
+        <p:nvSpPr>
+          <p:cNvPr id="16" name="テキスト ボックス 15">
+            <a:extLst>
+              <a:ext uri="{FF2B5EF4-FFF2-40B4-BE49-F238E27FC236}">
+                <a16:creationId xmlns:a16="http://schemas.microsoft.com/office/drawing/2014/main" id="{62AE79F0-4CD2-5D4A-92D6-29D99559602E}"/>
+              </a:ext>
+            </a:extLst>
+          </p:cNvPr>
+          <p:cNvSpPr txBox="1"/>
+          <p:nvPr/>
+        </p:nvSpPr>
+        <p:spPr>
+          <a:xfrm>
+            <a:off x="1115616" y="2348880"/>
+            <a:ext cx="846194" cy="369332"/>
+          </a:xfrm>
+          <a:prstGeom prst="rect">
+            <a:avLst/>
+          </a:prstGeom>
+          <a:noFill/>
+        </p:spPr>
+        <p:txBody>
+          <a:bodyPr wrap="none" rtlCol="0">
+            <a:spAutoFit/>
+          </a:bodyPr>
+          <a:lstStyle/>
+          <a:p>
+            <a:r>
+              <a:rPr kumimoji="1" lang="en-US" altLang="ja-JP"/>
+              <a:t>float</a:t>
+            </a:r>
+            <a:r>
+              <a:rPr kumimoji="1" lang="ja-JP" altLang="en-US"/>
+              <a:t>型</a:t>
+            </a:r>
+          </a:p>
+        </p:txBody>
+      </p:sp>
+      <p:sp>
+        <p:nvSpPr>
+          <p:cNvPr id="18" name="正方形/長方形 17">
+            <a:extLst>
+              <a:ext uri="{FF2B5EF4-FFF2-40B4-BE49-F238E27FC236}">
+                <a16:creationId xmlns:a16="http://schemas.microsoft.com/office/drawing/2014/main" id="{A3CABABE-D2BD-B148-B3F1-BA2AB02EC68E}"/>
+              </a:ext>
+            </a:extLst>
+          </p:cNvPr>
+          <p:cNvSpPr/>
+          <p:nvPr/>
+        </p:nvSpPr>
+        <p:spPr>
+          <a:xfrm>
+            <a:off x="3059832" y="1628800"/>
+            <a:ext cx="1160895" cy="369332"/>
+          </a:xfrm>
+          <a:prstGeom prst="rect">
+            <a:avLst/>
+          </a:prstGeom>
+          <a:solidFill>
+            <a:schemeClr val="tx1"/>
+          </a:solidFill>
+        </p:spPr>
+        <p:txBody>
+          <a:bodyPr wrap="none">
+            <a:spAutoFit/>
+          </a:bodyPr>
+          <a:lstStyle/>
+          <a:p>
+            <a:r>
+              <a:rPr lang="en" altLang="ja-JP" b="0">
+                <a:solidFill>
+                  <a:srgbClr val="D4D4D4"/>
+                </a:solidFill>
+                <a:effectLst/>
+                <a:latin typeface="Menlo" panose="020B0609030804020204" pitchFamily="49" charset="0"/>
+              </a:rPr>
+              <a:t>b = </a:t>
+            </a:r>
+            <a:r>
+              <a:rPr lang="en" altLang="ja-JP" b="0">
+                <a:solidFill>
+                  <a:srgbClr val="B5CEA8"/>
+                </a:solidFill>
+                <a:effectLst/>
+                <a:latin typeface="Menlo" panose="020B0609030804020204" pitchFamily="49" charset="0"/>
+              </a:rPr>
+              <a:t>1.0</a:t>
+            </a:r>
+            <a:endParaRPr lang="en" altLang="ja-JP" b="0">
+              <a:solidFill>
+                <a:srgbClr val="D4D4D4"/>
+              </a:solidFill>
+              <a:effectLst/>
+              <a:latin typeface="Menlo" panose="020B0609030804020204" pitchFamily="49" charset="0"/>
+            </a:endParaRPr>
+          </a:p>
+        </p:txBody>
+      </p:sp>
+      <p:sp>
+        <p:nvSpPr>
+          <p:cNvPr id="19" name="正方形/長方形 18">
+            <a:extLst>
+              <a:ext uri="{FF2B5EF4-FFF2-40B4-BE49-F238E27FC236}">
+                <a16:creationId xmlns:a16="http://schemas.microsoft.com/office/drawing/2014/main" id="{C7894762-F3F8-C84C-8A4C-DD9795D7A20A}"/>
+              </a:ext>
+            </a:extLst>
+          </p:cNvPr>
+          <p:cNvSpPr/>
+          <p:nvPr/>
+        </p:nvSpPr>
+        <p:spPr>
+          <a:xfrm>
+            <a:off x="2843808" y="3068960"/>
+            <a:ext cx="1579278" cy="369332"/>
+          </a:xfrm>
+          <a:prstGeom prst="rect">
+            <a:avLst/>
+          </a:prstGeom>
+          <a:solidFill>
+            <a:schemeClr val="tx1"/>
+          </a:solidFill>
+        </p:spPr>
+        <p:txBody>
+          <a:bodyPr wrap="none">
+            <a:spAutoFit/>
+          </a:bodyPr>
+          <a:lstStyle/>
+          <a:p>
+            <a:r>
+              <a:rPr lang="en" altLang="ja-JP" b="0">
+                <a:solidFill>
+                  <a:srgbClr val="D4D4D4"/>
+                </a:solidFill>
+                <a:effectLst/>
+                <a:latin typeface="Menlo" panose="020B0609030804020204" pitchFamily="49" charset="0"/>
+              </a:rPr>
+              <a:t>c = </a:t>
+            </a:r>
+            <a:r>
+              <a:rPr lang="en" altLang="ja-JP" b="0">
+                <a:solidFill>
+                  <a:srgbClr val="CE9178"/>
+                </a:solidFill>
+                <a:effectLst/>
+                <a:latin typeface="Menlo" panose="020B0609030804020204" pitchFamily="49" charset="0"/>
+              </a:rPr>
+              <a:t>"test"</a:t>
+            </a:r>
+            <a:endParaRPr lang="en" altLang="ja-JP" b="0">
+              <a:solidFill>
+                <a:srgbClr val="D4D4D4"/>
+              </a:solidFill>
+              <a:effectLst/>
+              <a:latin typeface="Menlo" panose="020B0609030804020204" pitchFamily="49" charset="0"/>
+            </a:endParaRPr>
+          </a:p>
+        </p:txBody>
+      </p:sp>
+      <p:sp>
+        <p:nvSpPr>
+          <p:cNvPr id="20" name="1 つの角を切り取った四角形 19">
+            <a:extLst>
+              <a:ext uri="{FF2B5EF4-FFF2-40B4-BE49-F238E27FC236}">
+                <a16:creationId xmlns:a16="http://schemas.microsoft.com/office/drawing/2014/main" id="{32120DF7-7BF9-4041-B600-EE35457B8A98}"/>
+              </a:ext>
+            </a:extLst>
+          </p:cNvPr>
+          <p:cNvSpPr/>
+          <p:nvPr/>
+        </p:nvSpPr>
+        <p:spPr>
+          <a:xfrm>
+            <a:off x="2411760" y="3717032"/>
+            <a:ext cx="864096" cy="288032"/>
+          </a:xfrm>
+          <a:prstGeom prst="snip1Rect">
+            <a:avLst/>
+          </a:prstGeom>
+          <a:noFill/>
+          <a:ln>
+            <a:solidFill>
+              <a:schemeClr val="tx1"/>
+            </a:solidFill>
+          </a:ln>
+        </p:spPr>
+        <p:style>
+          <a:lnRef idx="2">
+            <a:schemeClr val="accent1">
+              <a:shade val="50000"/>
+            </a:schemeClr>
+          </a:lnRef>
+          <a:fillRef idx="1">
+            <a:schemeClr val="accent1"/>
+          </a:fillRef>
+          <a:effectRef idx="0">
+            <a:schemeClr val="accent1"/>
+          </a:effectRef>
+          <a:fontRef idx="minor">
+            <a:schemeClr val="lt1"/>
+          </a:fontRef>
+        </p:style>
+        <p:txBody>
+          <a:bodyPr rtlCol="0" anchor="ctr"/>
+          <a:lstStyle/>
+          <a:p>
+            <a:pPr algn="ctr"/>
+            <a:r>
+              <a:rPr kumimoji="1" lang="en-US" altLang="ja-JP" sz="2000">
+                <a:solidFill>
+                  <a:schemeClr val="tx1"/>
+                </a:solidFill>
+              </a:rPr>
+              <a:t>c</a:t>
+            </a:r>
+            <a:endParaRPr kumimoji="1" lang="ja-JP" altLang="en-US" sz="2000">
+              <a:solidFill>
+                <a:schemeClr val="tx1"/>
+              </a:solidFill>
+            </a:endParaRPr>
+          </a:p>
+        </p:txBody>
+      </p:sp>
+      <p:cxnSp>
+        <p:nvCxnSpPr>
+          <p:cNvPr id="21" name="直線矢印コネクタ 20">
+            <a:extLst>
+              <a:ext uri="{FF2B5EF4-FFF2-40B4-BE49-F238E27FC236}">
+                <a16:creationId xmlns:a16="http://schemas.microsoft.com/office/drawing/2014/main" id="{FB314E29-9B5A-3144-B8CD-7E052087CB95}"/>
+              </a:ext>
+            </a:extLst>
+          </p:cNvPr>
+          <p:cNvCxnSpPr>
+            <a:stCxn id="20" idx="0"/>
+          </p:cNvCxnSpPr>
+          <p:nvPr/>
+        </p:nvCxnSpPr>
+        <p:spPr>
+          <a:xfrm>
+            <a:off x="3275856" y="3861048"/>
+            <a:ext cx="288032" cy="0"/>
+          </a:xfrm>
+          <a:prstGeom prst="straightConnector1">
+            <a:avLst/>
+          </a:prstGeom>
+          <a:ln w="12700">
+            <a:solidFill>
+              <a:schemeClr val="tx1"/>
+            </a:solidFill>
+            <a:tailEnd type="triangle"/>
+          </a:ln>
+        </p:spPr>
+        <p:style>
+          <a:lnRef idx="1">
+            <a:schemeClr val="accent1"/>
+          </a:lnRef>
+          <a:fillRef idx="0">
+            <a:schemeClr val="accent1"/>
+          </a:fillRef>
+          <a:effectRef idx="0">
+            <a:schemeClr val="accent1"/>
+          </a:effectRef>
+          <a:fontRef idx="minor">
+            <a:schemeClr val="tx1"/>
+          </a:fontRef>
+        </p:style>
+      </p:cxnSp>
+      <p:sp>
+        <p:nvSpPr>
+          <p:cNvPr id="22" name="テキスト ボックス 21">
+            <a:extLst>
+              <a:ext uri="{FF2B5EF4-FFF2-40B4-BE49-F238E27FC236}">
+                <a16:creationId xmlns:a16="http://schemas.microsoft.com/office/drawing/2014/main" id="{40980C52-5D92-F54B-9A51-3765FC494FCB}"/>
+              </a:ext>
+            </a:extLst>
+          </p:cNvPr>
+          <p:cNvSpPr txBox="1"/>
+          <p:nvPr/>
+        </p:nvSpPr>
+        <p:spPr>
+          <a:xfrm>
+            <a:off x="1187624" y="3717032"/>
+            <a:ext cx="659796" cy="369332"/>
+          </a:xfrm>
+          <a:prstGeom prst="rect">
+            <a:avLst/>
+          </a:prstGeom>
+          <a:noFill/>
+        </p:spPr>
+        <p:txBody>
+          <a:bodyPr wrap="none" rtlCol="0">
+            <a:spAutoFit/>
+          </a:bodyPr>
+          <a:lstStyle/>
+          <a:p>
+            <a:r>
+              <a:rPr kumimoji="1" lang="en-US" altLang="ja-JP"/>
+              <a:t>str</a:t>
+            </a:r>
+            <a:r>
+              <a:rPr kumimoji="1" lang="ja-JP" altLang="en-US"/>
+              <a:t>型</a:t>
+            </a:r>
+          </a:p>
+        </p:txBody>
+      </p:sp>
+      <p:sp>
+        <p:nvSpPr>
+          <p:cNvPr id="23" name="正方形/長方形 22">
+            <a:extLst>
+              <a:ext uri="{FF2B5EF4-FFF2-40B4-BE49-F238E27FC236}">
+                <a16:creationId xmlns:a16="http://schemas.microsoft.com/office/drawing/2014/main" id="{AB67679F-64D4-664A-94A6-C05580347381}"/>
+              </a:ext>
+            </a:extLst>
+          </p:cNvPr>
+          <p:cNvSpPr/>
+          <p:nvPr/>
+        </p:nvSpPr>
+        <p:spPr>
+          <a:xfrm>
+            <a:off x="3635896" y="3645024"/>
+            <a:ext cx="1440160" cy="360040"/>
+          </a:xfrm>
+          <a:prstGeom prst="rect">
+            <a:avLst/>
+          </a:prstGeom>
+          <a:noFill/>
+          <a:ln>
+            <a:solidFill>
+              <a:schemeClr val="tx1"/>
+            </a:solidFill>
+          </a:ln>
+        </p:spPr>
+        <p:style>
+          <a:lnRef idx="2">
+            <a:schemeClr val="accent1">
+              <a:shade val="50000"/>
+            </a:schemeClr>
+          </a:lnRef>
+          <a:fillRef idx="1">
+            <a:schemeClr val="accent1"/>
+          </a:fillRef>
+          <a:effectRef idx="0">
+            <a:schemeClr val="accent1"/>
+          </a:effectRef>
+          <a:fontRef idx="minor">
+            <a:schemeClr val="lt1"/>
+          </a:fontRef>
+        </p:style>
+        <p:txBody>
+          <a:bodyPr rtlCol="0" anchor="ctr"/>
+          <a:lstStyle/>
+          <a:p>
+            <a:pPr algn="ctr"/>
+            <a:r>
+              <a:rPr kumimoji="1" lang="en-US" altLang="ja-JP">
+                <a:solidFill>
+                  <a:schemeClr val="tx1"/>
+                </a:solidFill>
+              </a:rPr>
+              <a:t>74</a:t>
+            </a:r>
+            <a:endParaRPr kumimoji="1" lang="ja-JP" altLang="en-US">
+              <a:solidFill>
+                <a:schemeClr val="tx1"/>
+              </a:solidFill>
+            </a:endParaRPr>
+          </a:p>
+        </p:txBody>
+      </p:sp>
+      <p:sp>
+        <p:nvSpPr>
+          <p:cNvPr id="24" name="正方形/長方形 23">
+            <a:extLst>
+              <a:ext uri="{FF2B5EF4-FFF2-40B4-BE49-F238E27FC236}">
+                <a16:creationId xmlns:a16="http://schemas.microsoft.com/office/drawing/2014/main" id="{F72CAA70-C341-8944-9668-3E7385FAE6A8}"/>
+              </a:ext>
+            </a:extLst>
+          </p:cNvPr>
+          <p:cNvSpPr/>
+          <p:nvPr/>
+        </p:nvSpPr>
+        <p:spPr>
+          <a:xfrm>
+            <a:off x="3635896" y="4005064"/>
+            <a:ext cx="1440160" cy="360040"/>
+          </a:xfrm>
+          <a:prstGeom prst="rect">
+            <a:avLst/>
+          </a:prstGeom>
+          <a:noFill/>
+          <a:ln>
+            <a:solidFill>
+              <a:schemeClr val="tx1"/>
+            </a:solidFill>
+          </a:ln>
+        </p:spPr>
+        <p:style>
+          <a:lnRef idx="2">
+            <a:schemeClr val="accent1">
+              <a:shade val="50000"/>
+            </a:schemeClr>
+          </a:lnRef>
+          <a:fillRef idx="1">
+            <a:schemeClr val="accent1"/>
+          </a:fillRef>
+          <a:effectRef idx="0">
+            <a:schemeClr val="accent1"/>
+          </a:effectRef>
+          <a:fontRef idx="minor">
+            <a:schemeClr val="lt1"/>
+          </a:fontRef>
+        </p:style>
+        <p:txBody>
+          <a:bodyPr rtlCol="0" anchor="ctr"/>
+          <a:lstStyle/>
+          <a:p>
+            <a:pPr algn="ctr"/>
+            <a:r>
+              <a:rPr kumimoji="1" lang="en-US" altLang="ja-JP">
+                <a:solidFill>
+                  <a:schemeClr val="tx1"/>
+                </a:solidFill>
+              </a:rPr>
+              <a:t>65</a:t>
+            </a:r>
+            <a:endParaRPr kumimoji="1" lang="ja-JP" altLang="en-US">
+              <a:solidFill>
+                <a:schemeClr val="tx1"/>
+              </a:solidFill>
+            </a:endParaRPr>
+          </a:p>
+        </p:txBody>
+      </p:sp>
+      <p:sp>
+        <p:nvSpPr>
+          <p:cNvPr id="25" name="正方形/長方形 24">
+            <a:extLst>
+              <a:ext uri="{FF2B5EF4-FFF2-40B4-BE49-F238E27FC236}">
+                <a16:creationId xmlns:a16="http://schemas.microsoft.com/office/drawing/2014/main" id="{90AC6072-90B2-2A41-B2B1-D25628E32143}"/>
+              </a:ext>
+            </a:extLst>
+          </p:cNvPr>
+          <p:cNvSpPr/>
+          <p:nvPr/>
+        </p:nvSpPr>
+        <p:spPr>
+          <a:xfrm>
+            <a:off x="3635896" y="4365104"/>
+            <a:ext cx="1440160" cy="360040"/>
+          </a:xfrm>
+          <a:prstGeom prst="rect">
+            <a:avLst/>
+          </a:prstGeom>
+          <a:noFill/>
+          <a:ln>
+            <a:solidFill>
+              <a:schemeClr val="tx1"/>
+            </a:solidFill>
+          </a:ln>
+        </p:spPr>
+        <p:style>
+          <a:lnRef idx="2">
+            <a:schemeClr val="accent1">
+              <a:shade val="50000"/>
+            </a:schemeClr>
+          </a:lnRef>
+          <a:fillRef idx="1">
+            <a:schemeClr val="accent1"/>
+          </a:fillRef>
+          <a:effectRef idx="0">
+            <a:schemeClr val="accent1"/>
+          </a:effectRef>
+          <a:fontRef idx="minor">
+            <a:schemeClr val="lt1"/>
+          </a:fontRef>
+        </p:style>
+        <p:txBody>
+          <a:bodyPr rtlCol="0" anchor="ctr"/>
+          <a:lstStyle/>
+          <a:p>
+            <a:pPr algn="ctr"/>
+            <a:r>
+              <a:rPr kumimoji="1" lang="en-US" altLang="ja-JP">
+                <a:solidFill>
+                  <a:schemeClr val="tx1"/>
+                </a:solidFill>
+              </a:rPr>
+              <a:t>73</a:t>
+            </a:r>
+            <a:endParaRPr kumimoji="1" lang="ja-JP" altLang="en-US">
+              <a:solidFill>
+                <a:schemeClr val="tx1"/>
+              </a:solidFill>
+            </a:endParaRPr>
+          </a:p>
+        </p:txBody>
+      </p:sp>
+      <p:sp>
+        <p:nvSpPr>
+          <p:cNvPr id="26" name="正方形/長方形 25">
+            <a:extLst>
+              <a:ext uri="{FF2B5EF4-FFF2-40B4-BE49-F238E27FC236}">
+                <a16:creationId xmlns:a16="http://schemas.microsoft.com/office/drawing/2014/main" id="{6FF724DF-19CD-5A40-8B6D-C387FD02D94D}"/>
+              </a:ext>
+            </a:extLst>
+          </p:cNvPr>
+          <p:cNvSpPr/>
+          <p:nvPr/>
+        </p:nvSpPr>
+        <p:spPr>
+          <a:xfrm>
+            <a:off x="3635896" y="4725144"/>
+            <a:ext cx="1440160" cy="360040"/>
+          </a:xfrm>
+          <a:prstGeom prst="rect">
+            <a:avLst/>
+          </a:prstGeom>
+          <a:noFill/>
+          <a:ln>
+            <a:solidFill>
+              <a:schemeClr val="tx1"/>
+            </a:solidFill>
+          </a:ln>
+        </p:spPr>
+        <p:style>
+          <a:lnRef idx="2">
+            <a:schemeClr val="accent1">
+              <a:shade val="50000"/>
+            </a:schemeClr>
+          </a:lnRef>
+          <a:fillRef idx="1">
+            <a:schemeClr val="accent1"/>
+          </a:fillRef>
+          <a:effectRef idx="0">
+            <a:schemeClr val="accent1"/>
+          </a:effectRef>
+          <a:fontRef idx="minor">
+            <a:schemeClr val="lt1"/>
+          </a:fontRef>
+        </p:style>
+        <p:txBody>
+          <a:bodyPr rtlCol="0" anchor="ctr"/>
+          <a:lstStyle/>
+          <a:p>
+            <a:pPr algn="ctr"/>
+            <a:r>
+              <a:rPr kumimoji="1" lang="en-US" altLang="ja-JP">
+                <a:solidFill>
+                  <a:schemeClr val="tx1"/>
+                </a:solidFill>
+              </a:rPr>
+              <a:t>74</a:t>
+            </a:r>
+            <a:endParaRPr kumimoji="1" lang="ja-JP" altLang="en-US">
+              <a:solidFill>
+                <a:schemeClr val="tx1"/>
+              </a:solidFill>
+            </a:endParaRPr>
+          </a:p>
+        </p:txBody>
+      </p:sp>
+    </p:spTree>
+    <p:extLst>
+      <p:ext uri="{BB962C8B-B14F-4D97-AF65-F5344CB8AC3E}">
+        <p14:creationId xmlns:p14="http://schemas.microsoft.com/office/powerpoint/2010/main" val="3332486466"/>
+      </p:ext>
+    </p:extLst>
+  </p:cSld>
+  <p:clrMapOvr>
+    <a:masterClrMapping/>
+  </p:clrMapOvr>
+</p:sld>
+</file>
+
 <file path=ppt/theme/theme1.xml><?xml version="1.0" encoding="utf-8"?>
 <a:theme xmlns:a="http://schemas.openxmlformats.org/drawingml/2006/main" name="Office テーマ">
   <a:themeElements>
